--- a/docs/抽奖素材.pptx
+++ b/docs/抽奖素材.pptx
@@ -200,7 +200,7 @@
           <a:p>
             <a:fld id="{192E4B07-7E1E-6A40-9D1B-AB3F940E500F}" type="datetimeFigureOut">
               <a:rPr kumimoji="1" lang="zh-CN" altLang="en-US" smtClean="0"/>
-              <a:t>2024/5/3</a:t>
+              <a:t>2025/11/20</a:t>
             </a:fld>
             <a:endParaRPr kumimoji="1" lang="zh-CN" altLang="en-US"/>
           </a:p>
@@ -698,7 +698,7 @@
           <a:p>
             <a:fld id="{BA2C7DDC-1EE7-FA4E-B1E1-4D38BF51E6AB}" type="datetimeFigureOut">
               <a:rPr kumimoji="1" lang="zh-CN" altLang="en-US" smtClean="0"/>
-              <a:t>2024/5/3</a:t>
+              <a:t>2025/11/20</a:t>
             </a:fld>
             <a:endParaRPr kumimoji="1" lang="zh-CN" altLang="en-US"/>
           </a:p>
@@ -896,7 +896,7 @@
           <a:p>
             <a:fld id="{BA2C7DDC-1EE7-FA4E-B1E1-4D38BF51E6AB}" type="datetimeFigureOut">
               <a:rPr kumimoji="1" lang="zh-CN" altLang="en-US" smtClean="0"/>
-              <a:t>2024/5/3</a:t>
+              <a:t>2025/11/20</a:t>
             </a:fld>
             <a:endParaRPr kumimoji="1" lang="zh-CN" altLang="en-US"/>
           </a:p>
@@ -1104,7 +1104,7 @@
           <a:p>
             <a:fld id="{BA2C7DDC-1EE7-FA4E-B1E1-4D38BF51E6AB}" type="datetimeFigureOut">
               <a:rPr kumimoji="1" lang="zh-CN" altLang="en-US" smtClean="0"/>
-              <a:t>2024/5/3</a:t>
+              <a:t>2025/11/20</a:t>
             </a:fld>
             <a:endParaRPr kumimoji="1" lang="zh-CN" altLang="en-US"/>
           </a:p>
@@ -1302,7 +1302,7 @@
           <a:p>
             <a:fld id="{BA2C7DDC-1EE7-FA4E-B1E1-4D38BF51E6AB}" type="datetimeFigureOut">
               <a:rPr kumimoji="1" lang="zh-CN" altLang="en-US" smtClean="0"/>
-              <a:t>2024/5/3</a:t>
+              <a:t>2025/11/20</a:t>
             </a:fld>
             <a:endParaRPr kumimoji="1" lang="zh-CN" altLang="en-US"/>
           </a:p>
@@ -1577,7 +1577,7 @@
           <a:p>
             <a:fld id="{BA2C7DDC-1EE7-FA4E-B1E1-4D38BF51E6AB}" type="datetimeFigureOut">
               <a:rPr kumimoji="1" lang="zh-CN" altLang="en-US" smtClean="0"/>
-              <a:t>2024/5/3</a:t>
+              <a:t>2025/11/20</a:t>
             </a:fld>
             <a:endParaRPr kumimoji="1" lang="zh-CN" altLang="en-US"/>
           </a:p>
@@ -1842,7 +1842,7 @@
           <a:p>
             <a:fld id="{BA2C7DDC-1EE7-FA4E-B1E1-4D38BF51E6AB}" type="datetimeFigureOut">
               <a:rPr kumimoji="1" lang="zh-CN" altLang="en-US" smtClean="0"/>
-              <a:t>2024/5/3</a:t>
+              <a:t>2025/11/20</a:t>
             </a:fld>
             <a:endParaRPr kumimoji="1" lang="zh-CN" altLang="en-US"/>
           </a:p>
@@ -2254,7 +2254,7 @@
           <a:p>
             <a:fld id="{BA2C7DDC-1EE7-FA4E-B1E1-4D38BF51E6AB}" type="datetimeFigureOut">
               <a:rPr kumimoji="1" lang="zh-CN" altLang="en-US" smtClean="0"/>
-              <a:t>2024/5/3</a:t>
+              <a:t>2025/11/20</a:t>
             </a:fld>
             <a:endParaRPr kumimoji="1" lang="zh-CN" altLang="en-US"/>
           </a:p>
@@ -2395,7 +2395,7 @@
           <a:p>
             <a:fld id="{BA2C7DDC-1EE7-FA4E-B1E1-4D38BF51E6AB}" type="datetimeFigureOut">
               <a:rPr kumimoji="1" lang="zh-CN" altLang="en-US" smtClean="0"/>
-              <a:t>2024/5/3</a:t>
+              <a:t>2025/11/20</a:t>
             </a:fld>
             <a:endParaRPr kumimoji="1" lang="zh-CN" altLang="en-US"/>
           </a:p>
@@ -2508,7 +2508,7 @@
           <a:p>
             <a:fld id="{BA2C7DDC-1EE7-FA4E-B1E1-4D38BF51E6AB}" type="datetimeFigureOut">
               <a:rPr kumimoji="1" lang="zh-CN" altLang="en-US" smtClean="0"/>
-              <a:t>2024/5/3</a:t>
+              <a:t>2025/11/20</a:t>
             </a:fld>
             <a:endParaRPr kumimoji="1" lang="zh-CN" altLang="en-US"/>
           </a:p>
@@ -2819,7 +2819,7 @@
           <a:p>
             <a:fld id="{BA2C7DDC-1EE7-FA4E-B1E1-4D38BF51E6AB}" type="datetimeFigureOut">
               <a:rPr kumimoji="1" lang="zh-CN" altLang="en-US" smtClean="0"/>
-              <a:t>2024/5/3</a:t>
+              <a:t>2025/11/20</a:t>
             </a:fld>
             <a:endParaRPr kumimoji="1" lang="zh-CN" altLang="en-US"/>
           </a:p>
@@ -3107,7 +3107,7 @@
           <a:p>
             <a:fld id="{BA2C7DDC-1EE7-FA4E-B1E1-4D38BF51E6AB}" type="datetimeFigureOut">
               <a:rPr kumimoji="1" lang="zh-CN" altLang="en-US" smtClean="0"/>
-              <a:t>2024/5/3</a:t>
+              <a:t>2025/11/20</a:t>
             </a:fld>
             <a:endParaRPr kumimoji="1" lang="zh-CN" altLang="en-US"/>
           </a:p>
@@ -3348,7 +3348,7 @@
           <a:p>
             <a:fld id="{BA2C7DDC-1EE7-FA4E-B1E1-4D38BF51E6AB}" type="datetimeFigureOut">
               <a:rPr kumimoji="1" lang="zh-CN" altLang="en-US" smtClean="0"/>
-              <a:t>2024/5/3</a:t>
+              <a:t>2025/11/20</a:t>
             </a:fld>
             <a:endParaRPr kumimoji="1" lang="zh-CN" altLang="en-US"/>
           </a:p>

--- a/docs/抽奖素材.pptx
+++ b/docs/抽奖素材.pptx
@@ -200,7 +200,7 @@
           <a:p>
             <a:fld id="{192E4B07-7E1E-6A40-9D1B-AB3F940E500F}" type="datetimeFigureOut">
               <a:rPr kumimoji="1" lang="zh-CN" altLang="en-US" smtClean="0"/>
-              <a:t>2025/11/20</a:t>
+              <a:t>2025/11/22</a:t>
             </a:fld>
             <a:endParaRPr kumimoji="1" lang="zh-CN" altLang="en-US"/>
           </a:p>
@@ -698,7 +698,7 @@
           <a:p>
             <a:fld id="{BA2C7DDC-1EE7-FA4E-B1E1-4D38BF51E6AB}" type="datetimeFigureOut">
               <a:rPr kumimoji="1" lang="zh-CN" altLang="en-US" smtClean="0"/>
-              <a:t>2025/11/20</a:t>
+              <a:t>2025/11/22</a:t>
             </a:fld>
             <a:endParaRPr kumimoji="1" lang="zh-CN" altLang="en-US"/>
           </a:p>
@@ -896,7 +896,7 @@
           <a:p>
             <a:fld id="{BA2C7DDC-1EE7-FA4E-B1E1-4D38BF51E6AB}" type="datetimeFigureOut">
               <a:rPr kumimoji="1" lang="zh-CN" altLang="en-US" smtClean="0"/>
-              <a:t>2025/11/20</a:t>
+              <a:t>2025/11/22</a:t>
             </a:fld>
             <a:endParaRPr kumimoji="1" lang="zh-CN" altLang="en-US"/>
           </a:p>
@@ -1104,7 +1104,7 @@
           <a:p>
             <a:fld id="{BA2C7DDC-1EE7-FA4E-B1E1-4D38BF51E6AB}" type="datetimeFigureOut">
               <a:rPr kumimoji="1" lang="zh-CN" altLang="en-US" smtClean="0"/>
-              <a:t>2025/11/20</a:t>
+              <a:t>2025/11/22</a:t>
             </a:fld>
             <a:endParaRPr kumimoji="1" lang="zh-CN" altLang="en-US"/>
           </a:p>
@@ -1302,7 +1302,7 @@
           <a:p>
             <a:fld id="{BA2C7DDC-1EE7-FA4E-B1E1-4D38BF51E6AB}" type="datetimeFigureOut">
               <a:rPr kumimoji="1" lang="zh-CN" altLang="en-US" smtClean="0"/>
-              <a:t>2025/11/20</a:t>
+              <a:t>2025/11/22</a:t>
             </a:fld>
             <a:endParaRPr kumimoji="1" lang="zh-CN" altLang="en-US"/>
           </a:p>
@@ -1577,7 +1577,7 @@
           <a:p>
             <a:fld id="{BA2C7DDC-1EE7-FA4E-B1E1-4D38BF51E6AB}" type="datetimeFigureOut">
               <a:rPr kumimoji="1" lang="zh-CN" altLang="en-US" smtClean="0"/>
-              <a:t>2025/11/20</a:t>
+              <a:t>2025/11/22</a:t>
             </a:fld>
             <a:endParaRPr kumimoji="1" lang="zh-CN" altLang="en-US"/>
           </a:p>
@@ -1842,7 +1842,7 @@
           <a:p>
             <a:fld id="{BA2C7DDC-1EE7-FA4E-B1E1-4D38BF51E6AB}" type="datetimeFigureOut">
               <a:rPr kumimoji="1" lang="zh-CN" altLang="en-US" smtClean="0"/>
-              <a:t>2025/11/20</a:t>
+              <a:t>2025/11/22</a:t>
             </a:fld>
             <a:endParaRPr kumimoji="1" lang="zh-CN" altLang="en-US"/>
           </a:p>
@@ -2254,7 +2254,7 @@
           <a:p>
             <a:fld id="{BA2C7DDC-1EE7-FA4E-B1E1-4D38BF51E6AB}" type="datetimeFigureOut">
               <a:rPr kumimoji="1" lang="zh-CN" altLang="en-US" smtClean="0"/>
-              <a:t>2025/11/20</a:t>
+              <a:t>2025/11/22</a:t>
             </a:fld>
             <a:endParaRPr kumimoji="1" lang="zh-CN" altLang="en-US"/>
           </a:p>
@@ -2395,7 +2395,7 @@
           <a:p>
             <a:fld id="{BA2C7DDC-1EE7-FA4E-B1E1-4D38BF51E6AB}" type="datetimeFigureOut">
               <a:rPr kumimoji="1" lang="zh-CN" altLang="en-US" smtClean="0"/>
-              <a:t>2025/11/20</a:t>
+              <a:t>2025/11/22</a:t>
             </a:fld>
             <a:endParaRPr kumimoji="1" lang="zh-CN" altLang="en-US"/>
           </a:p>
@@ -2508,7 +2508,7 @@
           <a:p>
             <a:fld id="{BA2C7DDC-1EE7-FA4E-B1E1-4D38BF51E6AB}" type="datetimeFigureOut">
               <a:rPr kumimoji="1" lang="zh-CN" altLang="en-US" smtClean="0"/>
-              <a:t>2025/11/20</a:t>
+              <a:t>2025/11/22</a:t>
             </a:fld>
             <a:endParaRPr kumimoji="1" lang="zh-CN" altLang="en-US"/>
           </a:p>
@@ -2819,7 +2819,7 @@
           <a:p>
             <a:fld id="{BA2C7DDC-1EE7-FA4E-B1E1-4D38BF51E6AB}" type="datetimeFigureOut">
               <a:rPr kumimoji="1" lang="zh-CN" altLang="en-US" smtClean="0"/>
-              <a:t>2025/11/20</a:t>
+              <a:t>2025/11/22</a:t>
             </a:fld>
             <a:endParaRPr kumimoji="1" lang="zh-CN" altLang="en-US"/>
           </a:p>
@@ -3107,7 +3107,7 @@
           <a:p>
             <a:fld id="{BA2C7DDC-1EE7-FA4E-B1E1-4D38BF51E6AB}" type="datetimeFigureOut">
               <a:rPr kumimoji="1" lang="zh-CN" altLang="en-US" smtClean="0"/>
-              <a:t>2025/11/20</a:t>
+              <a:t>2025/11/22</a:t>
             </a:fld>
             <a:endParaRPr kumimoji="1" lang="zh-CN" altLang="en-US"/>
           </a:p>
@@ -3348,7 +3348,7 @@
           <a:p>
             <a:fld id="{BA2C7DDC-1EE7-FA4E-B1E1-4D38BF51E6AB}" type="datetimeFigureOut">
               <a:rPr kumimoji="1" lang="zh-CN" altLang="en-US" smtClean="0"/>
-              <a:t>2025/11/20</a:t>
+              <a:t>2025/11/22</a:t>
             </a:fld>
             <a:endParaRPr kumimoji="1" lang="zh-CN" altLang="en-US"/>
           </a:p>
@@ -8908,154 +8908,142 @@
           <a:chExt cx="0" cy="0"/>
         </a:xfrm>
       </p:grpSpPr>
-      <p:sp>
-        <p:nvSpPr>
-          <p:cNvPr id="4" name="圆角矩形 3">
-            <a:extLst>
-              <a:ext uri="{FF2B5EF4-FFF2-40B4-BE49-F238E27FC236}">
-                <a16:creationId xmlns:a16="http://schemas.microsoft.com/office/drawing/2014/main" id="{CB23C9A6-6E1B-F52B-FC85-5871370E694D}"/>
-              </a:ext>
-            </a:extLst>
-          </p:cNvPr>
-          <p:cNvSpPr/>
-          <p:nvPr/>
-        </p:nvSpPr>
-        <p:spPr>
-          <a:xfrm>
-            <a:off x="2370399" y="2199491"/>
+      <p:grpSp>
+        <p:nvGrpSpPr>
+          <p:cNvPr id="2" name="组合 1">
+            <a:extLst>
+              <a:ext uri="{FF2B5EF4-FFF2-40B4-BE49-F238E27FC236}">
+                <a16:creationId xmlns:a16="http://schemas.microsoft.com/office/drawing/2014/main" id="{2F84CA37-A426-4626-BE15-1F50478EE44A}"/>
+              </a:ext>
+            </a:extLst>
+          </p:cNvPr>
+          <p:cNvGrpSpPr/>
+          <p:nvPr/>
+        </p:nvGrpSpPr>
+        <p:grpSpPr>
+          <a:xfrm>
+            <a:off x="7529552" y="2863919"/>
             <a:ext cx="1594951" cy="1594951"/>
-          </a:xfrm>
-          <a:prstGeom prst="roundRect">
-            <a:avLst>
-              <a:gd name="adj" fmla="val 7173"/>
-            </a:avLst>
-          </a:prstGeom>
-          <a:gradFill flip="none" rotWithShape="1">
-            <a:gsLst>
-              <a:gs pos="0">
-                <a:srgbClr val="C00000">
-                  <a:shade val="30000"/>
-                  <a:satMod val="115000"/>
-                </a:srgbClr>
-              </a:gs>
-              <a:gs pos="35000">
-                <a:srgbClr val="C00000">
-                  <a:shade val="67500"/>
-                  <a:satMod val="115000"/>
-                </a:srgbClr>
-              </a:gs>
-              <a:gs pos="100000">
-                <a:srgbClr val="C00000">
-                  <a:shade val="100000"/>
-                  <a:satMod val="115000"/>
-                </a:srgbClr>
-              </a:gs>
-            </a:gsLst>
-            <a:lin ang="16200000" scaled="1"/>
-            <a:tileRect/>
-          </a:gradFill>
-          <a:ln>
+            <a:chOff x="7529552" y="2863919"/>
+            <a:chExt cx="1594951" cy="1594951"/>
+          </a:xfrm>
+        </p:grpSpPr>
+        <p:sp>
+          <p:nvSpPr>
+            <p:cNvPr id="4" name="圆角矩形 3">
+              <a:extLst>
+                <a:ext uri="{FF2B5EF4-FFF2-40B4-BE49-F238E27FC236}">
+                  <a16:creationId xmlns:a16="http://schemas.microsoft.com/office/drawing/2014/main" id="{CB23C9A6-6E1B-F52B-FC85-5871370E694D}"/>
+                </a:ext>
+              </a:extLst>
+            </p:cNvPr>
+            <p:cNvSpPr/>
+            <p:nvPr/>
+          </p:nvSpPr>
+          <p:spPr>
+            <a:xfrm>
+              <a:off x="7529552" y="2863919"/>
+              <a:ext cx="1594951" cy="1594951"/>
+            </a:xfrm>
+            <a:prstGeom prst="roundRect">
+              <a:avLst>
+                <a:gd name="adj" fmla="val 3733"/>
+              </a:avLst>
+            </a:prstGeom>
             <a:gradFill flip="none" rotWithShape="1">
               <a:gsLst>
                 <a:gs pos="0">
-                  <a:schemeClr val="bg1"/>
+                  <a:srgbClr val="CB0000"/>
                 </a:gs>
                 <a:gs pos="100000">
-                  <a:schemeClr val="tx1"/>
-                </a:gs>
-                <a:gs pos="100000">
-                  <a:schemeClr val="accent1">
-                    <a:lumMod val="45000"/>
-                    <a:lumOff val="55000"/>
-                  </a:schemeClr>
-                </a:gs>
-                <a:gs pos="100000">
-                  <a:schemeClr val="accent1">
-                    <a:lumMod val="30000"/>
-                    <a:lumOff val="70000"/>
-                  </a:schemeClr>
+                  <a:srgbClr val="0070C0"/>
                 </a:gs>
               </a:gsLst>
-              <a:lin ang="5400000" scaled="1"/>
+              <a:lin ang="2700000" scaled="1"/>
               <a:tileRect/>
             </a:gradFill>
-          </a:ln>
-        </p:spPr>
-        <p:style>
-          <a:lnRef idx="2">
-            <a:schemeClr val="accent1">
-              <a:shade val="15000"/>
-            </a:schemeClr>
-          </a:lnRef>
-          <a:fillRef idx="1">
-            <a:schemeClr val="accent1"/>
-          </a:fillRef>
-          <a:effectRef idx="0">
-            <a:schemeClr val="accent1"/>
-          </a:effectRef>
-          <a:fontRef idx="minor">
-            <a:schemeClr val="lt1"/>
-          </a:fontRef>
-        </p:style>
-        <p:txBody>
-          <a:bodyPr rtlCol="0" anchor="ctr"/>
-          <a:lstStyle/>
-          <a:p>
-            <a:pPr algn="ctr"/>
-            <a:r>
-              <a:rPr kumimoji="1" lang="zh-CN" altLang="en-US" sz="4400" dirty="0">
-                <a:latin typeface="AaWLH" pitchFamily="18" charset="-122"/>
-                <a:ea typeface="AaWLH" pitchFamily="18" charset="-122"/>
-              </a:rPr>
-              <a:t>立即</a:t>
-            </a:r>
-            <a:endParaRPr kumimoji="1" lang="en-US" altLang="zh-CN" sz="4400" dirty="0">
-              <a:latin typeface="AaWLH" pitchFamily="18" charset="-122"/>
-              <a:ea typeface="AaWLH" pitchFamily="18" charset="-122"/>
-            </a:endParaRPr>
-          </a:p>
-          <a:p>
-            <a:pPr algn="ctr"/>
-            <a:r>
-              <a:rPr kumimoji="1" lang="zh-CN" altLang="en-US" sz="4400" dirty="0">
-                <a:latin typeface="AaWLH" pitchFamily="18" charset="-122"/>
-                <a:ea typeface="AaWLH" pitchFamily="18" charset="-122"/>
-              </a:rPr>
-              <a:t>抽奖</a:t>
-            </a:r>
-          </a:p>
-        </p:txBody>
-      </p:sp>
-      <p:pic>
-        <p:nvPicPr>
-          <p:cNvPr id="5" name="图片 4">
-            <a:extLst>
-              <a:ext uri="{FF2B5EF4-FFF2-40B4-BE49-F238E27FC236}">
-                <a16:creationId xmlns:a16="http://schemas.microsoft.com/office/drawing/2014/main" id="{96310B39-0B49-E397-94B7-190DC7CFE284}"/>
-              </a:ext>
-            </a:extLst>
-          </p:cNvPr>
-          <p:cNvPicPr>
-            <a:picLocks noChangeAspect="1"/>
-          </p:cNvPicPr>
-          <p:nvPr/>
-        </p:nvPicPr>
-        <p:blipFill>
-          <a:blip r:embed="rId3"/>
-          <a:stretch>
-            <a:fillRect/>
-          </a:stretch>
-        </p:blipFill>
-        <p:spPr>
-          <a:xfrm>
-            <a:off x="3456509" y="3315533"/>
-            <a:ext cx="508841" cy="478909"/>
-          </a:xfrm>
-          <a:prstGeom prst="rect">
-            <a:avLst/>
-          </a:prstGeom>
-        </p:spPr>
-      </p:pic>
+            <a:ln w="0">
+              <a:solidFill>
+                <a:schemeClr val="accent1"/>
+              </a:solidFill>
+            </a:ln>
+          </p:spPr>
+          <p:style>
+            <a:lnRef idx="2">
+              <a:schemeClr val="accent1">
+                <a:shade val="15000"/>
+              </a:schemeClr>
+            </a:lnRef>
+            <a:fillRef idx="1">
+              <a:schemeClr val="accent1"/>
+            </a:fillRef>
+            <a:effectRef idx="0">
+              <a:schemeClr val="accent1"/>
+            </a:effectRef>
+            <a:fontRef idx="minor">
+              <a:schemeClr val="lt1"/>
+            </a:fontRef>
+          </p:style>
+          <p:txBody>
+            <a:bodyPr lIns="72000" tIns="36000" rtlCol="0" anchor="ctr"/>
+            <a:lstStyle/>
+            <a:p>
+              <a:pPr algn="ctr"/>
+              <a:r>
+                <a:rPr kumimoji="1" lang="zh-CN" altLang="en-US" sz="4900" b="1" dirty="0">
+                  <a:latin typeface="幼圆" panose="02010509060101010101" pitchFamily="49" charset="-122"/>
+                  <a:ea typeface="幼圆" panose="02010509060101010101" pitchFamily="49" charset="-122"/>
+                </a:rPr>
+                <a:t>点击</a:t>
+              </a:r>
+              <a:endParaRPr kumimoji="1" lang="en-US" altLang="zh-CN" sz="4900" b="1" dirty="0">
+                <a:latin typeface="幼圆" panose="02010509060101010101" pitchFamily="49" charset="-122"/>
+                <a:ea typeface="幼圆" panose="02010509060101010101" pitchFamily="49" charset="-122"/>
+              </a:endParaRPr>
+            </a:p>
+            <a:p>
+              <a:pPr algn="ctr"/>
+              <a:r>
+                <a:rPr kumimoji="1" lang="zh-CN" altLang="en-US" sz="4900" b="1" dirty="0">
+                  <a:latin typeface="幼圆" panose="02010509060101010101" pitchFamily="49" charset="-122"/>
+                  <a:ea typeface="幼圆" panose="02010509060101010101" pitchFamily="49" charset="-122"/>
+                </a:rPr>
+                <a:t>抽奖</a:t>
+              </a:r>
+            </a:p>
+          </p:txBody>
+        </p:sp>
+        <p:pic>
+          <p:nvPicPr>
+            <p:cNvPr id="5" name="图片 4">
+              <a:extLst>
+                <a:ext uri="{FF2B5EF4-FFF2-40B4-BE49-F238E27FC236}">
+                  <a16:creationId xmlns:a16="http://schemas.microsoft.com/office/drawing/2014/main" id="{96310B39-0B49-E397-94B7-190DC7CFE284}"/>
+                </a:ext>
+              </a:extLst>
+            </p:cNvPr>
+            <p:cNvPicPr>
+              <a:picLocks noChangeAspect="1"/>
+            </p:cNvPicPr>
+            <p:nvPr/>
+          </p:nvPicPr>
+          <p:blipFill>
+            <a:blip r:embed="rId3"/>
+            <a:stretch>
+              <a:fillRect/>
+            </a:stretch>
+          </p:blipFill>
+          <p:spPr>
+            <a:xfrm>
+              <a:off x="8836541" y="4187020"/>
+              <a:ext cx="284794" cy="268041"/>
+            </a:xfrm>
+            <a:prstGeom prst="rect">
+              <a:avLst/>
+            </a:prstGeom>
+          </p:spPr>
+        </p:pic>
+      </p:grpSp>
       <p:sp>
         <p:nvSpPr>
           <p:cNvPr id="6" name="圆角矩形 5">

--- a/docs/抽奖素材.pptx
+++ b/docs/抽奖素材.pptx
@@ -8967,6 +8967,13 @@
                 <a:schemeClr val="accent1"/>
               </a:solidFill>
             </a:ln>
+            <a:effectLst>
+              <a:outerShdw blurRad="63500" sx="102000" sy="102000" algn="ctr" rotWithShape="0">
+                <a:prstClr val="black">
+                  <a:alpha val="40000"/>
+                </a:prstClr>
+              </a:outerShdw>
+            </a:effectLst>
           </p:spPr>
           <p:style>
             <a:lnRef idx="2">
@@ -8985,28 +8992,49 @@
             </a:fontRef>
           </p:style>
           <p:txBody>
-            <a:bodyPr lIns="72000" tIns="36000" rtlCol="0" anchor="ctr"/>
+            <a:bodyPr lIns="108000" tIns="36000" rtlCol="0" anchor="ctr"/>
             <a:lstStyle/>
             <a:p>
               <a:pPr algn="ctr"/>
               <a:r>
-                <a:rPr kumimoji="1" lang="zh-CN" altLang="en-US" sz="4900" b="1" dirty="0">
-                  <a:latin typeface="幼圆" panose="02010509060101010101" pitchFamily="49" charset="-122"/>
-                  <a:ea typeface="幼圆" panose="02010509060101010101" pitchFamily="49" charset="-122"/>
+                <a:rPr kumimoji="1" lang="zh-CN" altLang="en-US" sz="4800" spc="500" dirty="0">
+                  <a:effectLst>
+                    <a:outerShdw blurRad="38100" dist="38100" dir="2700000" algn="tl">
+                      <a:srgbClr val="000000">
+                        <a:alpha val="43137"/>
+                      </a:srgbClr>
+                    </a:outerShdw>
+                  </a:effectLst>
+                  <a:latin typeface="华文琥珀" panose="02010800040101010101" pitchFamily="2" charset="-122"/>
+                  <a:ea typeface="华文琥珀" panose="02010800040101010101" pitchFamily="2" charset="-122"/>
                 </a:rPr>
                 <a:t>点击</a:t>
               </a:r>
-              <a:endParaRPr kumimoji="1" lang="en-US" altLang="zh-CN" sz="4900" b="1" dirty="0">
-                <a:latin typeface="幼圆" panose="02010509060101010101" pitchFamily="49" charset="-122"/>
-                <a:ea typeface="幼圆" panose="02010509060101010101" pitchFamily="49" charset="-122"/>
+              <a:endParaRPr kumimoji="1" lang="en-US" altLang="zh-CN" sz="4800" spc="500" dirty="0">
+                <a:effectLst>
+                  <a:outerShdw blurRad="38100" dist="38100" dir="2700000" algn="tl">
+                    <a:srgbClr val="000000">
+                      <a:alpha val="43137"/>
+                    </a:srgbClr>
+                  </a:outerShdw>
+                </a:effectLst>
+                <a:latin typeface="华文琥珀" panose="02010800040101010101" pitchFamily="2" charset="-122"/>
+                <a:ea typeface="华文琥珀" panose="02010800040101010101" pitchFamily="2" charset="-122"/>
               </a:endParaRPr>
             </a:p>
             <a:p>
               <a:pPr algn="ctr"/>
               <a:r>
-                <a:rPr kumimoji="1" lang="zh-CN" altLang="en-US" sz="4900" b="1" dirty="0">
-                  <a:latin typeface="幼圆" panose="02010509060101010101" pitchFamily="49" charset="-122"/>
-                  <a:ea typeface="幼圆" panose="02010509060101010101" pitchFamily="49" charset="-122"/>
+                <a:rPr kumimoji="1" lang="zh-CN" altLang="en-US" sz="4800" spc="500" dirty="0">
+                  <a:effectLst>
+                    <a:outerShdw blurRad="38100" dist="38100" dir="2700000" algn="tl">
+                      <a:srgbClr val="000000">
+                        <a:alpha val="43137"/>
+                      </a:srgbClr>
+                    </a:outerShdw>
+                  </a:effectLst>
+                  <a:latin typeface="华文琥珀" panose="02010800040101010101" pitchFamily="2" charset="-122"/>
+                  <a:ea typeface="华文琥珀" panose="02010800040101010101" pitchFamily="2" charset="-122"/>
                 </a:rPr>
                 <a:t>抽奖</a:t>
               </a:r>
@@ -9035,8 +9063,8 @@
           </p:blipFill>
           <p:spPr>
             <a:xfrm>
-              <a:off x="8836541" y="4187020"/>
-              <a:ext cx="284794" cy="268041"/>
+              <a:off x="8727541" y="4084432"/>
+              <a:ext cx="393794" cy="370629"/>
             </a:xfrm>
             <a:prstGeom prst="rect">
               <a:avLst/>

--- a/docs/抽奖素材.pptx
+++ b/docs/抽奖素材.pptx
@@ -5,13 +5,14 @@
     <p:sldMasterId id="2147483648" r:id="rId1"/>
   </p:sldMasterIdLst>
   <p:notesMasterIdLst>
-    <p:notesMasterId r:id="rId6"/>
+    <p:notesMasterId r:id="rId7"/>
   </p:notesMasterIdLst>
   <p:sldIdLst>
     <p:sldId id="256" r:id="rId2"/>
-    <p:sldId id="257" r:id="rId3"/>
-    <p:sldId id="258" r:id="rId4"/>
-    <p:sldId id="259" r:id="rId5"/>
+    <p:sldId id="260" r:id="rId3"/>
+    <p:sldId id="257" r:id="rId4"/>
+    <p:sldId id="258" r:id="rId5"/>
+    <p:sldId id="259" r:id="rId6"/>
   </p:sldIdLst>
   <p:sldSz cx="12192000" cy="6858000"/>
   <p:notesSz cx="6858000" cy="9144000"/>
@@ -532,7 +533,7 @@
           <a:p>
             <a:fld id="{53FEC795-0969-DD4B-A464-4FF31AC68B30}" type="slidenum">
               <a:rPr kumimoji="1" lang="zh-CN" altLang="en-US" smtClean="0"/>
-              <a:t>4</a:t>
+              <a:t>5</a:t>
             </a:fld>
             <a:endParaRPr kumimoji="1" lang="zh-CN" altLang="en-US"/>
           </a:p>
@@ -6696,12 +6697,6 @@
           </a:prstGeom>
           <a:gradFill flip="none" rotWithShape="1">
             <a:gsLst>
-              <a:gs pos="0">
-                <a:schemeClr val="accent4">
-                  <a:lumMod val="0"/>
-                  <a:lumOff val="100000"/>
-                </a:schemeClr>
-              </a:gs>
               <a:gs pos="26000">
                 <a:schemeClr val="accent4">
                   <a:lumMod val="0"/>
@@ -6709,7 +6704,7 @@
                 </a:schemeClr>
               </a:gs>
               <a:gs pos="100000">
-                <a:srgbClr val="F0BEBF"/>
+                <a:schemeClr val="accent1"/>
               </a:gs>
             </a:gsLst>
             <a:path path="circle">
@@ -6743,6 +6738,146 @@
           <a:p>
             <a:pPr algn="ctr"/>
             <a:endParaRPr kumimoji="1" lang="zh-CN" altLang="en-US" sz="4400" dirty="0">
+              <a:ea typeface="AaWLH" pitchFamily="18" charset="-122"/>
+            </a:endParaRPr>
+          </a:p>
+        </p:txBody>
+      </p:sp>
+      <p:sp>
+        <p:nvSpPr>
+          <p:cNvPr id="14" name="圆角矩形 13">
+            <a:extLst>
+              <a:ext uri="{FF2B5EF4-FFF2-40B4-BE49-F238E27FC236}">
+                <a16:creationId xmlns:a16="http://schemas.microsoft.com/office/drawing/2014/main" id="{1168BD08-5567-D4A5-0A49-682A42D9B299}"/>
+              </a:ext>
+            </a:extLst>
+          </p:cNvPr>
+          <p:cNvSpPr/>
+          <p:nvPr/>
+        </p:nvSpPr>
+        <p:spPr>
+          <a:xfrm>
+            <a:off x="567881" y="440812"/>
+            <a:ext cx="1594951" cy="1594951"/>
+          </a:xfrm>
+          <a:prstGeom prst="roundRect">
+            <a:avLst>
+              <a:gd name="adj" fmla="val 7173"/>
+            </a:avLst>
+          </a:prstGeom>
+          <a:gradFill flip="none" rotWithShape="1">
+            <a:gsLst>
+              <a:gs pos="26000">
+                <a:schemeClr val="accent4">
+                  <a:lumMod val="0"/>
+                  <a:lumOff val="100000"/>
+                </a:schemeClr>
+              </a:gs>
+              <a:gs pos="100000">
+                <a:schemeClr val="accent1"/>
+              </a:gs>
+            </a:gsLst>
+            <a:path path="circle">
+              <a:fillToRect l="50000" t="50000" r="50000" b="50000"/>
+            </a:path>
+            <a:tileRect/>
+          </a:gradFill>
+          <a:ln>
+            <a:noFill/>
+          </a:ln>
+        </p:spPr>
+        <p:style>
+          <a:lnRef idx="2">
+            <a:schemeClr val="accent1">
+              <a:shade val="15000"/>
+            </a:schemeClr>
+          </a:lnRef>
+          <a:fillRef idx="1">
+            <a:schemeClr val="accent1"/>
+          </a:fillRef>
+          <a:effectRef idx="0">
+            <a:schemeClr val="accent1"/>
+          </a:effectRef>
+          <a:fontRef idx="minor">
+            <a:schemeClr val="lt1"/>
+          </a:fontRef>
+        </p:style>
+        <p:txBody>
+          <a:bodyPr rtlCol="0" anchor="ctr"/>
+          <a:lstStyle/>
+          <a:p>
+            <a:pPr algn="ctr"/>
+            <a:endParaRPr kumimoji="1" lang="zh-CN" altLang="en-US" sz="4400" dirty="0">
+              <a:ea typeface="AaWLH" pitchFamily="18" charset="-122"/>
+            </a:endParaRPr>
+          </a:p>
+        </p:txBody>
+      </p:sp>
+      <p:sp>
+        <p:nvSpPr>
+          <p:cNvPr id="17" name="圆角矩形 16">
+            <a:extLst>
+              <a:ext uri="{FF2B5EF4-FFF2-40B4-BE49-F238E27FC236}">
+                <a16:creationId xmlns:a16="http://schemas.microsoft.com/office/drawing/2014/main" id="{C10769B7-1238-5618-B298-B828384D16FF}"/>
+              </a:ext>
+            </a:extLst>
+          </p:cNvPr>
+          <p:cNvSpPr/>
+          <p:nvPr/>
+        </p:nvSpPr>
+        <p:spPr>
+          <a:xfrm>
+            <a:off x="4172917" y="440812"/>
+            <a:ext cx="1594951" cy="1594951"/>
+          </a:xfrm>
+          <a:prstGeom prst="roundRect">
+            <a:avLst>
+              <a:gd name="adj" fmla="val 7173"/>
+            </a:avLst>
+          </a:prstGeom>
+          <a:gradFill flip="none" rotWithShape="1">
+            <a:gsLst>
+              <a:gs pos="26000">
+                <a:schemeClr val="accent4">
+                  <a:lumMod val="0"/>
+                  <a:lumOff val="100000"/>
+                </a:schemeClr>
+              </a:gs>
+              <a:gs pos="100000">
+                <a:schemeClr val="accent1"/>
+              </a:gs>
+            </a:gsLst>
+            <a:path path="circle">
+              <a:fillToRect l="50000" t="50000" r="50000" b="50000"/>
+            </a:path>
+            <a:tileRect/>
+          </a:gradFill>
+          <a:ln>
+            <a:noFill/>
+          </a:ln>
+        </p:spPr>
+        <p:style>
+          <a:lnRef idx="2">
+            <a:schemeClr val="accent1">
+              <a:shade val="15000"/>
+            </a:schemeClr>
+          </a:lnRef>
+          <a:fillRef idx="1">
+            <a:schemeClr val="accent1"/>
+          </a:fillRef>
+          <a:effectRef idx="0">
+            <a:schemeClr val="accent1"/>
+          </a:effectRef>
+          <a:fontRef idx="minor">
+            <a:schemeClr val="lt1"/>
+          </a:fontRef>
+        </p:style>
+        <p:txBody>
+          <a:bodyPr rtlCol="0" anchor="ctr"/>
+          <a:lstStyle/>
+          <a:p>
+            <a:pPr algn="ctr"/>
+            <a:endParaRPr kumimoji="1" lang="zh-CN" altLang="en-US" sz="4400" dirty="0">
               <a:latin typeface="AaWLH" pitchFamily="18" charset="-122"/>
               <a:ea typeface="AaWLH" pitchFamily="18" charset="-122"/>
             </a:endParaRPr>
@@ -6751,10 +6886,10 @@
       </p:sp>
       <p:sp>
         <p:nvSpPr>
-          <p:cNvPr id="14" name="圆角矩形 13">
-            <a:extLst>
-              <a:ext uri="{FF2B5EF4-FFF2-40B4-BE49-F238E27FC236}">
-                <a16:creationId xmlns:a16="http://schemas.microsoft.com/office/drawing/2014/main" id="{1168BD08-5567-D4A5-0A49-682A42D9B299}"/>
+          <p:cNvPr id="20" name="圆角矩形 19">
+            <a:extLst>
+              <a:ext uri="{FF2B5EF4-FFF2-40B4-BE49-F238E27FC236}">
+                <a16:creationId xmlns:a16="http://schemas.microsoft.com/office/drawing/2014/main" id="{F52FB5B0-F969-0971-1554-7F41E84DD83E}"/>
               </a:ext>
             </a:extLst>
           </p:cNvPr>
@@ -6763,7 +6898,147 @@
         </p:nvSpPr>
         <p:spPr>
           <a:xfrm>
-            <a:off x="567881" y="440812"/>
+            <a:off x="2378797" y="3953725"/>
+            <a:ext cx="1594951" cy="1594951"/>
+          </a:xfrm>
+          <a:prstGeom prst="roundRect">
+            <a:avLst>
+              <a:gd name="adj" fmla="val 7173"/>
+            </a:avLst>
+          </a:prstGeom>
+          <a:gradFill flip="none" rotWithShape="1">
+            <a:gsLst>
+              <a:gs pos="26000">
+                <a:schemeClr val="accent4">
+                  <a:lumMod val="0"/>
+                  <a:lumOff val="100000"/>
+                </a:schemeClr>
+              </a:gs>
+              <a:gs pos="100000">
+                <a:schemeClr val="accent1"/>
+              </a:gs>
+            </a:gsLst>
+            <a:path path="circle">
+              <a:fillToRect l="50000" t="50000" r="50000" b="50000"/>
+            </a:path>
+            <a:tileRect/>
+          </a:gradFill>
+          <a:ln>
+            <a:noFill/>
+          </a:ln>
+        </p:spPr>
+        <p:style>
+          <a:lnRef idx="2">
+            <a:schemeClr val="accent1">
+              <a:shade val="15000"/>
+            </a:schemeClr>
+          </a:lnRef>
+          <a:fillRef idx="1">
+            <a:schemeClr val="accent1"/>
+          </a:fillRef>
+          <a:effectRef idx="0">
+            <a:schemeClr val="accent1"/>
+          </a:effectRef>
+          <a:fontRef idx="minor">
+            <a:schemeClr val="lt1"/>
+          </a:fontRef>
+        </p:style>
+        <p:txBody>
+          <a:bodyPr rtlCol="0" anchor="ctr"/>
+          <a:lstStyle/>
+          <a:p>
+            <a:pPr algn="ctr"/>
+            <a:endParaRPr kumimoji="1" lang="zh-CN" altLang="en-US" sz="4400" dirty="0">
+              <a:ea typeface="AaWLH" pitchFamily="18" charset="-122"/>
+            </a:endParaRPr>
+          </a:p>
+        </p:txBody>
+      </p:sp>
+      <p:sp>
+        <p:nvSpPr>
+          <p:cNvPr id="23" name="圆角矩形 22">
+            <a:extLst>
+              <a:ext uri="{FF2B5EF4-FFF2-40B4-BE49-F238E27FC236}">
+                <a16:creationId xmlns:a16="http://schemas.microsoft.com/office/drawing/2014/main" id="{12FDAA34-8E30-0229-4F3C-16A0D8F8F882}"/>
+              </a:ext>
+            </a:extLst>
+          </p:cNvPr>
+          <p:cNvSpPr/>
+          <p:nvPr/>
+        </p:nvSpPr>
+        <p:spPr>
+          <a:xfrm>
+            <a:off x="576279" y="3953725"/>
+            <a:ext cx="1594951" cy="1594951"/>
+          </a:xfrm>
+          <a:prstGeom prst="roundRect">
+            <a:avLst>
+              <a:gd name="adj" fmla="val 7173"/>
+            </a:avLst>
+          </a:prstGeom>
+          <a:gradFill flip="none" rotWithShape="1">
+            <a:gsLst>
+              <a:gs pos="26000">
+                <a:schemeClr val="accent4">
+                  <a:lumMod val="0"/>
+                  <a:lumOff val="100000"/>
+                </a:schemeClr>
+              </a:gs>
+              <a:gs pos="100000">
+                <a:schemeClr val="accent1"/>
+              </a:gs>
+            </a:gsLst>
+            <a:path path="circle">
+              <a:fillToRect l="50000" t="50000" r="50000" b="50000"/>
+            </a:path>
+            <a:tileRect/>
+          </a:gradFill>
+          <a:ln>
+            <a:noFill/>
+          </a:ln>
+        </p:spPr>
+        <p:style>
+          <a:lnRef idx="2">
+            <a:schemeClr val="accent1">
+              <a:shade val="15000"/>
+            </a:schemeClr>
+          </a:lnRef>
+          <a:fillRef idx="1">
+            <a:schemeClr val="accent1"/>
+          </a:fillRef>
+          <a:effectRef idx="0">
+            <a:schemeClr val="accent1"/>
+          </a:effectRef>
+          <a:fontRef idx="minor">
+            <a:schemeClr val="lt1"/>
+          </a:fontRef>
+        </p:style>
+        <p:txBody>
+          <a:bodyPr rtlCol="0" anchor="ctr"/>
+          <a:lstStyle/>
+          <a:p>
+            <a:pPr algn="ctr"/>
+            <a:endParaRPr kumimoji="1" lang="zh-CN" altLang="en-US" sz="4400" dirty="0">
+              <a:ea typeface="AaWLH" pitchFamily="18" charset="-122"/>
+            </a:endParaRPr>
+          </a:p>
+        </p:txBody>
+      </p:sp>
+      <p:sp>
+        <p:nvSpPr>
+          <p:cNvPr id="26" name="圆角矩形 25">
+            <a:extLst>
+              <a:ext uri="{FF2B5EF4-FFF2-40B4-BE49-F238E27FC236}">
+                <a16:creationId xmlns:a16="http://schemas.microsoft.com/office/drawing/2014/main" id="{04CFC291-9422-7113-DB11-2F9F19C44AD3}"/>
+              </a:ext>
+            </a:extLst>
+          </p:cNvPr>
+          <p:cNvSpPr/>
+          <p:nvPr/>
+        </p:nvSpPr>
+        <p:spPr>
+          <a:xfrm>
+            <a:off x="4181315" y="3953725"/>
             <a:ext cx="1594951" cy="1594951"/>
           </a:xfrm>
           <a:prstGeom prst="roundRect">
@@ -6826,12 +7101,262 @@
           </a:p>
         </p:txBody>
       </p:sp>
+      <p:sp>
+        <p:nvSpPr>
+          <p:cNvPr id="29" name="圆角矩形 28">
+            <a:extLst>
+              <a:ext uri="{FF2B5EF4-FFF2-40B4-BE49-F238E27FC236}">
+                <a16:creationId xmlns:a16="http://schemas.microsoft.com/office/drawing/2014/main" id="{46DCD5EF-A9C5-601D-1D17-17D874B869B9}"/>
+              </a:ext>
+            </a:extLst>
+          </p:cNvPr>
+          <p:cNvSpPr/>
+          <p:nvPr/>
+        </p:nvSpPr>
+        <p:spPr>
+          <a:xfrm>
+            <a:off x="576279" y="2199491"/>
+            <a:ext cx="1594951" cy="1594951"/>
+          </a:xfrm>
+          <a:prstGeom prst="roundRect">
+            <a:avLst>
+              <a:gd name="adj" fmla="val 7173"/>
+            </a:avLst>
+          </a:prstGeom>
+          <a:gradFill flip="none" rotWithShape="1">
+            <a:gsLst>
+              <a:gs pos="26000">
+                <a:schemeClr val="accent4">
+                  <a:lumMod val="0"/>
+                  <a:lumOff val="100000"/>
+                </a:schemeClr>
+              </a:gs>
+              <a:gs pos="100000">
+                <a:schemeClr val="accent1"/>
+              </a:gs>
+            </a:gsLst>
+            <a:path path="circle">
+              <a:fillToRect l="50000" t="50000" r="50000" b="50000"/>
+            </a:path>
+            <a:tileRect/>
+          </a:gradFill>
+          <a:ln>
+            <a:noFill/>
+          </a:ln>
+        </p:spPr>
+        <p:style>
+          <a:lnRef idx="2">
+            <a:schemeClr val="accent1">
+              <a:shade val="15000"/>
+            </a:schemeClr>
+          </a:lnRef>
+          <a:fillRef idx="1">
+            <a:schemeClr val="accent1"/>
+          </a:fillRef>
+          <a:effectRef idx="0">
+            <a:schemeClr val="accent1"/>
+          </a:effectRef>
+          <a:fontRef idx="minor">
+            <a:schemeClr val="lt1"/>
+          </a:fontRef>
+        </p:style>
+        <p:txBody>
+          <a:bodyPr rtlCol="0" anchor="ctr"/>
+          <a:lstStyle/>
+          <a:p>
+            <a:pPr algn="ctr"/>
+            <a:endParaRPr kumimoji="1" lang="zh-CN" altLang="en-US" sz="4400" dirty="0">
+              <a:ea typeface="AaWLH" pitchFamily="18" charset="-122"/>
+            </a:endParaRPr>
+          </a:p>
+        </p:txBody>
+      </p:sp>
+      <p:sp>
+        <p:nvSpPr>
+          <p:cNvPr id="32" name="圆角矩形 31">
+            <a:extLst>
+              <a:ext uri="{FF2B5EF4-FFF2-40B4-BE49-F238E27FC236}">
+                <a16:creationId xmlns:a16="http://schemas.microsoft.com/office/drawing/2014/main" id="{8E6F79C8-73E6-8CB8-95DC-E3BBA890EB38}"/>
+              </a:ext>
+            </a:extLst>
+          </p:cNvPr>
+          <p:cNvSpPr/>
+          <p:nvPr/>
+        </p:nvSpPr>
+        <p:spPr>
+          <a:xfrm>
+            <a:off x="4164519" y="2195046"/>
+            <a:ext cx="1594951" cy="1594951"/>
+          </a:xfrm>
+          <a:prstGeom prst="roundRect">
+            <a:avLst>
+              <a:gd name="adj" fmla="val 7173"/>
+            </a:avLst>
+          </a:prstGeom>
+          <a:gradFill flip="none" rotWithShape="1">
+            <a:gsLst>
+              <a:gs pos="26000">
+                <a:schemeClr val="accent4">
+                  <a:lumMod val="0"/>
+                  <a:lumOff val="100000"/>
+                </a:schemeClr>
+              </a:gs>
+              <a:gs pos="100000">
+                <a:schemeClr val="accent1"/>
+              </a:gs>
+            </a:gsLst>
+            <a:path path="circle">
+              <a:fillToRect l="50000" t="50000" r="50000" b="50000"/>
+            </a:path>
+            <a:tileRect/>
+          </a:gradFill>
+          <a:ln>
+            <a:noFill/>
+          </a:ln>
+        </p:spPr>
+        <p:style>
+          <a:lnRef idx="2">
+            <a:schemeClr val="accent1">
+              <a:shade val="15000"/>
+            </a:schemeClr>
+          </a:lnRef>
+          <a:fillRef idx="1">
+            <a:schemeClr val="accent1"/>
+          </a:fillRef>
+          <a:effectRef idx="0">
+            <a:schemeClr val="accent1"/>
+          </a:effectRef>
+          <a:fontRef idx="minor">
+            <a:schemeClr val="lt1"/>
+          </a:fontRef>
+        </p:style>
+        <p:txBody>
+          <a:bodyPr rtlCol="0" anchor="ctr"/>
+          <a:lstStyle/>
+          <a:p>
+            <a:pPr algn="ctr"/>
+            <a:endParaRPr kumimoji="1" lang="zh-CN" altLang="en-US" sz="4400" dirty="0">
+              <a:ea typeface="AaWLH" pitchFamily="18" charset="-122"/>
+            </a:endParaRPr>
+          </a:p>
+        </p:txBody>
+      </p:sp>
+      <p:sp>
+        <p:nvSpPr>
+          <p:cNvPr id="49" name="圆角矩形 48">
+            <a:extLst>
+              <a:ext uri="{FF2B5EF4-FFF2-40B4-BE49-F238E27FC236}">
+                <a16:creationId xmlns:a16="http://schemas.microsoft.com/office/drawing/2014/main" id="{171052DB-D962-74FF-3189-751D83A8F2B4}"/>
+              </a:ext>
+            </a:extLst>
+          </p:cNvPr>
+          <p:cNvSpPr/>
+          <p:nvPr/>
+        </p:nvSpPr>
+        <p:spPr>
+          <a:xfrm>
+            <a:off x="6425504" y="440812"/>
+            <a:ext cx="1594951" cy="1594951"/>
+          </a:xfrm>
+          <a:prstGeom prst="roundRect">
+            <a:avLst>
+              <a:gd name="adj" fmla="val 7173"/>
+            </a:avLst>
+          </a:prstGeom>
+          <a:solidFill>
+            <a:schemeClr val="bg2"/>
+          </a:solidFill>
+          <a:ln>
+            <a:noFill/>
+          </a:ln>
+        </p:spPr>
+        <p:style>
+          <a:lnRef idx="2">
+            <a:schemeClr val="accent1">
+              <a:shade val="15000"/>
+            </a:schemeClr>
+          </a:lnRef>
+          <a:fillRef idx="1">
+            <a:schemeClr val="accent1"/>
+          </a:fillRef>
+          <a:effectRef idx="0">
+            <a:schemeClr val="accent1"/>
+          </a:effectRef>
+          <a:fontRef idx="minor">
+            <a:schemeClr val="lt1"/>
+          </a:fontRef>
+        </p:style>
+        <p:txBody>
+          <a:bodyPr rtlCol="0" anchor="ctr"/>
+          <a:lstStyle/>
+          <a:p>
+            <a:pPr algn="ctr"/>
+            <a:endParaRPr kumimoji="1" lang="zh-CN" altLang="en-US" sz="4400" dirty="0">
+              <a:latin typeface="AaWLH" pitchFamily="18" charset="-122"/>
+              <a:ea typeface="AaWLH" pitchFamily="18" charset="-122"/>
+            </a:endParaRPr>
+          </a:p>
+        </p:txBody>
+      </p:sp>
+      <p:sp>
+        <p:nvSpPr>
+          <p:cNvPr id="50" name="文本框 49">
+            <a:extLst>
+              <a:ext uri="{FF2B5EF4-FFF2-40B4-BE49-F238E27FC236}">
+                <a16:creationId xmlns:a16="http://schemas.microsoft.com/office/drawing/2014/main" id="{24E4E31C-7622-3131-B8F4-F0AA45A727BA}"/>
+              </a:ext>
+            </a:extLst>
+          </p:cNvPr>
+          <p:cNvSpPr txBox="1"/>
+          <p:nvPr/>
+        </p:nvSpPr>
+        <p:spPr>
+          <a:xfrm>
+            <a:off x="6425504" y="1641048"/>
+            <a:ext cx="1594951" cy="307777"/>
+          </a:xfrm>
+          <a:prstGeom prst="rect">
+            <a:avLst/>
+          </a:prstGeom>
+          <a:noFill/>
+        </p:spPr>
+        <p:txBody>
+          <a:bodyPr wrap="square" rtlCol="0">
+            <a:spAutoFit/>
+          </a:bodyPr>
+          <a:lstStyle/>
+          <a:p>
+            <a:pPr algn="ctr"/>
+            <a:r>
+              <a:rPr kumimoji="1" lang="zh-CN" altLang="en-US" sz="1400" b="1" dirty="0">
+                <a:latin typeface="PingFang SC" panose="020B0400000000000000" pitchFamily="34" charset="-122"/>
+                <a:ea typeface="PingFang SC" panose="020B0400000000000000" pitchFamily="34" charset="-122"/>
+              </a:rPr>
+              <a:t>再抽奖</a:t>
+            </a:r>
+            <a:r>
+              <a:rPr kumimoji="1" lang="en-US" altLang="zh-CN" sz="1400" b="1" dirty="0">
+                <a:latin typeface="PingFang SC" panose="020B0400000000000000" pitchFamily="34" charset="-122"/>
+                <a:ea typeface="PingFang SC" panose="020B0400000000000000" pitchFamily="34" charset="-122"/>
+              </a:rPr>
+              <a:t>1</a:t>
+            </a:r>
+            <a:r>
+              <a:rPr kumimoji="1" lang="zh-CN" altLang="en-US" sz="1400" b="1" dirty="0">
+                <a:latin typeface="PingFang SC" panose="020B0400000000000000" pitchFamily="34" charset="-122"/>
+                <a:ea typeface="PingFang SC" panose="020B0400000000000000" pitchFamily="34" charset="-122"/>
+              </a:rPr>
+              <a:t>次解锁</a:t>
+            </a:r>
+          </a:p>
+        </p:txBody>
+      </p:sp>
       <p:pic>
         <p:nvPicPr>
-          <p:cNvPr id="15" name="图片 14">
-            <a:extLst>
-              <a:ext uri="{FF2B5EF4-FFF2-40B4-BE49-F238E27FC236}">
-                <a16:creationId xmlns:a16="http://schemas.microsoft.com/office/drawing/2014/main" id="{FCA2DA11-C49D-9543-4858-3115C4D06452}"/>
+          <p:cNvPr id="51" name="图片 50">
+            <a:extLst>
+              <a:ext uri="{FF2B5EF4-FFF2-40B4-BE49-F238E27FC236}">
+                <a16:creationId xmlns:a16="http://schemas.microsoft.com/office/drawing/2014/main" id="{232E185C-D487-95A1-7D78-0F910BA358AC}"/>
               </a:ext>
             </a:extLst>
           </p:cNvPr>
@@ -6848,8 +7373,8 @@
         </p:blipFill>
         <p:spPr>
           <a:xfrm>
-            <a:off x="983015" y="717083"/>
-            <a:ext cx="764682" cy="764682"/>
+            <a:off x="6912759" y="625828"/>
+            <a:ext cx="1015220" cy="1015220"/>
           </a:xfrm>
           <a:prstGeom prst="rect">
             <a:avLst/>
@@ -6858,10 +7383,10 @@
       </p:pic>
       <p:sp>
         <p:nvSpPr>
-          <p:cNvPr id="17" name="圆角矩形 16">
-            <a:extLst>
-              <a:ext uri="{FF2B5EF4-FFF2-40B4-BE49-F238E27FC236}">
-                <a16:creationId xmlns:a16="http://schemas.microsoft.com/office/drawing/2014/main" id="{C10769B7-1238-5618-B298-B828384D16FF}"/>
+          <p:cNvPr id="53" name="圆角矩形 52">
+            <a:extLst>
+              <a:ext uri="{FF2B5EF4-FFF2-40B4-BE49-F238E27FC236}">
+                <a16:creationId xmlns:a16="http://schemas.microsoft.com/office/drawing/2014/main" id="{FD664063-6E89-E26B-92F2-8FA581B5286C}"/>
               </a:ext>
             </a:extLst>
           </p:cNvPr>
@@ -6870,7 +7395,1647 @@
         </p:nvSpPr>
         <p:spPr>
           <a:xfrm>
-            <a:off x="4172917" y="440812"/>
+            <a:off x="6424134" y="392341"/>
+            <a:ext cx="1594951" cy="1643422"/>
+          </a:xfrm>
+          <a:prstGeom prst="roundRect">
+            <a:avLst>
+              <a:gd name="adj" fmla="val 0"/>
+            </a:avLst>
+          </a:prstGeom>
+          <a:solidFill>
+            <a:schemeClr val="bg1">
+              <a:alpha val="38000"/>
+            </a:schemeClr>
+          </a:solidFill>
+          <a:ln>
+            <a:noFill/>
+          </a:ln>
+        </p:spPr>
+        <p:style>
+          <a:lnRef idx="2">
+            <a:schemeClr val="accent1">
+              <a:shade val="15000"/>
+            </a:schemeClr>
+          </a:lnRef>
+          <a:fillRef idx="1">
+            <a:schemeClr val="accent1"/>
+          </a:fillRef>
+          <a:effectRef idx="0">
+            <a:schemeClr val="accent1"/>
+          </a:effectRef>
+          <a:fontRef idx="minor">
+            <a:schemeClr val="lt1"/>
+          </a:fontRef>
+        </p:style>
+        <p:txBody>
+          <a:bodyPr rtlCol="0" anchor="ctr"/>
+          <a:lstStyle/>
+          <a:p>
+            <a:pPr algn="ctr"/>
+            <a:endParaRPr kumimoji="1" lang="zh-CN" altLang="en-US" dirty="0"/>
+          </a:p>
+        </p:txBody>
+      </p:sp>
+      <p:sp>
+        <p:nvSpPr>
+          <p:cNvPr id="52" name="文本框 51">
+            <a:extLst>
+              <a:ext uri="{FF2B5EF4-FFF2-40B4-BE49-F238E27FC236}">
+                <a16:creationId xmlns:a16="http://schemas.microsoft.com/office/drawing/2014/main" id="{ACE5DF79-2031-2968-185F-8760217A9A6C}"/>
+              </a:ext>
+            </a:extLst>
+          </p:cNvPr>
+          <p:cNvSpPr txBox="1"/>
+          <p:nvPr/>
+        </p:nvSpPr>
+        <p:spPr>
+          <a:xfrm>
+            <a:off x="7604957" y="486932"/>
+            <a:ext cx="415498" cy="369332"/>
+          </a:xfrm>
+          <a:prstGeom prst="rect">
+            <a:avLst/>
+          </a:prstGeom>
+          <a:noFill/>
+        </p:spPr>
+        <p:txBody>
+          <a:bodyPr wrap="none" rtlCol="0">
+            <a:spAutoFit/>
+          </a:bodyPr>
+          <a:lstStyle/>
+          <a:p>
+            <a:r>
+              <a:rPr kumimoji="1" lang="en-US" altLang="zh-CN" dirty="0"/>
+              <a:t>🔐</a:t>
+            </a:r>
+            <a:endParaRPr kumimoji="1" lang="zh-CN" altLang="en-US" dirty="0"/>
+          </a:p>
+        </p:txBody>
+      </p:sp>
+      <p:sp>
+        <p:nvSpPr>
+          <p:cNvPr id="54" name="圆角矩形 53">
+            <a:extLst>
+              <a:ext uri="{FF2B5EF4-FFF2-40B4-BE49-F238E27FC236}">
+                <a16:creationId xmlns:a16="http://schemas.microsoft.com/office/drawing/2014/main" id="{D18F57B7-FD0C-D6F3-8E5C-2AC81C8637E6}"/>
+              </a:ext>
+            </a:extLst>
+          </p:cNvPr>
+          <p:cNvSpPr/>
+          <p:nvPr/>
+        </p:nvSpPr>
+        <p:spPr>
+          <a:xfrm>
+            <a:off x="8309956" y="440812"/>
+            <a:ext cx="1594951" cy="1594951"/>
+          </a:xfrm>
+          <a:prstGeom prst="roundRect">
+            <a:avLst>
+              <a:gd name="adj" fmla="val 7173"/>
+            </a:avLst>
+          </a:prstGeom>
+          <a:solidFill>
+            <a:schemeClr val="bg2"/>
+          </a:solidFill>
+          <a:ln>
+            <a:noFill/>
+          </a:ln>
+        </p:spPr>
+        <p:style>
+          <a:lnRef idx="2">
+            <a:schemeClr val="accent1">
+              <a:shade val="15000"/>
+            </a:schemeClr>
+          </a:lnRef>
+          <a:fillRef idx="1">
+            <a:schemeClr val="accent1"/>
+          </a:fillRef>
+          <a:effectRef idx="0">
+            <a:schemeClr val="accent1"/>
+          </a:effectRef>
+          <a:fontRef idx="minor">
+            <a:schemeClr val="lt1"/>
+          </a:fontRef>
+        </p:style>
+        <p:txBody>
+          <a:bodyPr rtlCol="0" anchor="ctr"/>
+          <a:lstStyle/>
+          <a:p>
+            <a:pPr algn="ctr"/>
+            <a:endParaRPr kumimoji="1" lang="zh-CN" altLang="en-US" sz="4400" dirty="0">
+              <a:latin typeface="AaWLH" pitchFamily="18" charset="-122"/>
+              <a:ea typeface="AaWLH" pitchFamily="18" charset="-122"/>
+            </a:endParaRPr>
+          </a:p>
+        </p:txBody>
+      </p:sp>
+      <p:sp>
+        <p:nvSpPr>
+          <p:cNvPr id="55" name="文本框 54">
+            <a:extLst>
+              <a:ext uri="{FF2B5EF4-FFF2-40B4-BE49-F238E27FC236}">
+                <a16:creationId xmlns:a16="http://schemas.microsoft.com/office/drawing/2014/main" id="{4ABE387E-1386-32B0-0EF7-E1242A965F34}"/>
+              </a:ext>
+            </a:extLst>
+          </p:cNvPr>
+          <p:cNvSpPr txBox="1"/>
+          <p:nvPr/>
+        </p:nvSpPr>
+        <p:spPr>
+          <a:xfrm>
+            <a:off x="8309956" y="1641048"/>
+            <a:ext cx="1594951" cy="307777"/>
+          </a:xfrm>
+          <a:prstGeom prst="rect">
+            <a:avLst/>
+          </a:prstGeom>
+          <a:noFill/>
+        </p:spPr>
+        <p:txBody>
+          <a:bodyPr wrap="square" rtlCol="0">
+            <a:spAutoFit/>
+          </a:bodyPr>
+          <a:lstStyle/>
+          <a:p>
+            <a:pPr algn="ctr"/>
+            <a:r>
+              <a:rPr kumimoji="1" lang="zh-CN" altLang="en-US" sz="1400" b="1" dirty="0">
+                <a:latin typeface="PingFang SC" panose="020B0400000000000000" pitchFamily="34" charset="-122"/>
+                <a:ea typeface="PingFang SC" panose="020B0400000000000000" pitchFamily="34" charset="-122"/>
+              </a:rPr>
+              <a:t>再抽奖</a:t>
+            </a:r>
+            <a:r>
+              <a:rPr kumimoji="1" lang="en-US" altLang="zh-CN" sz="1400" b="1" dirty="0">
+                <a:latin typeface="PingFang SC" panose="020B0400000000000000" pitchFamily="34" charset="-122"/>
+                <a:ea typeface="PingFang SC" panose="020B0400000000000000" pitchFamily="34" charset="-122"/>
+              </a:rPr>
+              <a:t>1</a:t>
+            </a:r>
+            <a:r>
+              <a:rPr kumimoji="1" lang="zh-CN" altLang="en-US" sz="1400" b="1" dirty="0">
+                <a:latin typeface="PingFang SC" panose="020B0400000000000000" pitchFamily="34" charset="-122"/>
+                <a:ea typeface="PingFang SC" panose="020B0400000000000000" pitchFamily="34" charset="-122"/>
+              </a:rPr>
+              <a:t>次解锁</a:t>
+            </a:r>
+          </a:p>
+        </p:txBody>
+      </p:sp>
+      <p:sp>
+        <p:nvSpPr>
+          <p:cNvPr id="56" name="圆角矩形 55">
+            <a:extLst>
+              <a:ext uri="{FF2B5EF4-FFF2-40B4-BE49-F238E27FC236}">
+                <a16:creationId xmlns:a16="http://schemas.microsoft.com/office/drawing/2014/main" id="{DDEC02BD-A58F-E41A-D100-963AC738433A}"/>
+              </a:ext>
+            </a:extLst>
+          </p:cNvPr>
+          <p:cNvSpPr/>
+          <p:nvPr/>
+        </p:nvSpPr>
+        <p:spPr>
+          <a:xfrm>
+            <a:off x="10112474" y="440812"/>
+            <a:ext cx="1594951" cy="1594951"/>
+          </a:xfrm>
+          <a:prstGeom prst="roundRect">
+            <a:avLst>
+              <a:gd name="adj" fmla="val 7173"/>
+            </a:avLst>
+          </a:prstGeom>
+          <a:solidFill>
+            <a:schemeClr val="bg2"/>
+          </a:solidFill>
+          <a:ln>
+            <a:noFill/>
+          </a:ln>
+        </p:spPr>
+        <p:style>
+          <a:lnRef idx="2">
+            <a:schemeClr val="accent1">
+              <a:shade val="15000"/>
+            </a:schemeClr>
+          </a:lnRef>
+          <a:fillRef idx="1">
+            <a:schemeClr val="accent1"/>
+          </a:fillRef>
+          <a:effectRef idx="0">
+            <a:schemeClr val="accent1"/>
+          </a:effectRef>
+          <a:fontRef idx="minor">
+            <a:schemeClr val="lt1"/>
+          </a:fontRef>
+        </p:style>
+        <p:txBody>
+          <a:bodyPr rtlCol="0" anchor="ctr"/>
+          <a:lstStyle/>
+          <a:p>
+            <a:pPr algn="ctr"/>
+            <a:endParaRPr kumimoji="1" lang="zh-CN" altLang="en-US" sz="4400" dirty="0">
+              <a:latin typeface="AaWLH" pitchFamily="18" charset="-122"/>
+              <a:ea typeface="AaWLH" pitchFamily="18" charset="-122"/>
+            </a:endParaRPr>
+          </a:p>
+        </p:txBody>
+      </p:sp>
+      <p:sp>
+        <p:nvSpPr>
+          <p:cNvPr id="57" name="文本框 56">
+            <a:extLst>
+              <a:ext uri="{FF2B5EF4-FFF2-40B4-BE49-F238E27FC236}">
+                <a16:creationId xmlns:a16="http://schemas.microsoft.com/office/drawing/2014/main" id="{456A5D9B-7BDA-FE22-13EC-7835A30879B8}"/>
+              </a:ext>
+            </a:extLst>
+          </p:cNvPr>
+          <p:cNvSpPr txBox="1"/>
+          <p:nvPr/>
+        </p:nvSpPr>
+        <p:spPr>
+          <a:xfrm>
+            <a:off x="10112474" y="1641048"/>
+            <a:ext cx="1594951" cy="307777"/>
+          </a:xfrm>
+          <a:prstGeom prst="rect">
+            <a:avLst/>
+          </a:prstGeom>
+          <a:noFill/>
+        </p:spPr>
+        <p:txBody>
+          <a:bodyPr wrap="square" rtlCol="0">
+            <a:spAutoFit/>
+          </a:bodyPr>
+          <a:lstStyle/>
+          <a:p>
+            <a:pPr algn="ctr"/>
+            <a:r>
+              <a:rPr kumimoji="1" lang="zh-CN" altLang="en-US" sz="1400" b="1" dirty="0">
+                <a:latin typeface="PingFang SC" panose="020B0400000000000000" pitchFamily="34" charset="-122"/>
+                <a:ea typeface="PingFang SC" panose="020B0400000000000000" pitchFamily="34" charset="-122"/>
+              </a:rPr>
+              <a:t>再抽奖</a:t>
+            </a:r>
+            <a:r>
+              <a:rPr kumimoji="1" lang="en-US" altLang="zh-CN" sz="1400" b="1" dirty="0">
+                <a:latin typeface="PingFang SC" panose="020B0400000000000000" pitchFamily="34" charset="-122"/>
+                <a:ea typeface="PingFang SC" panose="020B0400000000000000" pitchFamily="34" charset="-122"/>
+              </a:rPr>
+              <a:t>1</a:t>
+            </a:r>
+            <a:r>
+              <a:rPr kumimoji="1" lang="zh-CN" altLang="en-US" sz="1400" b="1" dirty="0">
+                <a:latin typeface="PingFang SC" panose="020B0400000000000000" pitchFamily="34" charset="-122"/>
+                <a:ea typeface="PingFang SC" panose="020B0400000000000000" pitchFamily="34" charset="-122"/>
+              </a:rPr>
+              <a:t>次解锁</a:t>
+            </a:r>
+          </a:p>
+        </p:txBody>
+      </p:sp>
+      <p:pic>
+        <p:nvPicPr>
+          <p:cNvPr id="58" name="图片 57">
+            <a:extLst>
+              <a:ext uri="{FF2B5EF4-FFF2-40B4-BE49-F238E27FC236}">
+                <a16:creationId xmlns:a16="http://schemas.microsoft.com/office/drawing/2014/main" id="{7FF35857-1368-1C8D-32A5-0D509042FA5F}"/>
+              </a:ext>
+            </a:extLst>
+          </p:cNvPr>
+          <p:cNvPicPr>
+            <a:picLocks noChangeAspect="1"/>
+          </p:cNvPicPr>
+          <p:nvPr/>
+        </p:nvPicPr>
+        <p:blipFill>
+          <a:blip r:embed="rId4"/>
+          <a:stretch>
+            <a:fillRect/>
+          </a:stretch>
+        </p:blipFill>
+        <p:spPr>
+          <a:xfrm>
+            <a:off x="8715924" y="690705"/>
+            <a:ext cx="791060" cy="791060"/>
+          </a:xfrm>
+          <a:prstGeom prst="rect">
+            <a:avLst/>
+          </a:prstGeom>
+        </p:spPr>
+      </p:pic>
+      <p:pic>
+        <p:nvPicPr>
+          <p:cNvPr id="59" name="图片 58">
+            <a:extLst>
+              <a:ext uri="{FF2B5EF4-FFF2-40B4-BE49-F238E27FC236}">
+                <a16:creationId xmlns:a16="http://schemas.microsoft.com/office/drawing/2014/main" id="{59D1F26A-7A47-EADB-CE3A-0F96B60F61C1}"/>
+              </a:ext>
+            </a:extLst>
+          </p:cNvPr>
+          <p:cNvPicPr>
+            <a:picLocks noChangeAspect="1"/>
+          </p:cNvPicPr>
+          <p:nvPr/>
+        </p:nvPicPr>
+        <p:blipFill>
+          <a:blip r:embed="rId5"/>
+          <a:stretch>
+            <a:fillRect/>
+          </a:stretch>
+        </p:blipFill>
+        <p:spPr>
+          <a:xfrm>
+            <a:off x="10319224" y="495510"/>
+            <a:ext cx="1181450" cy="1181450"/>
+          </a:xfrm>
+          <a:prstGeom prst="rect">
+            <a:avLst/>
+          </a:prstGeom>
+        </p:spPr>
+      </p:pic>
+      <p:sp>
+        <p:nvSpPr>
+          <p:cNvPr id="60" name="圆角矩形 59">
+            <a:extLst>
+              <a:ext uri="{FF2B5EF4-FFF2-40B4-BE49-F238E27FC236}">
+                <a16:creationId xmlns:a16="http://schemas.microsoft.com/office/drawing/2014/main" id="{1000ECE9-68BD-4EEA-071D-12995C65609D}"/>
+              </a:ext>
+            </a:extLst>
+          </p:cNvPr>
+          <p:cNvSpPr/>
+          <p:nvPr/>
+        </p:nvSpPr>
+        <p:spPr>
+          <a:xfrm>
+            <a:off x="8312580" y="2195046"/>
+            <a:ext cx="1594951" cy="1594951"/>
+          </a:xfrm>
+          <a:prstGeom prst="roundRect">
+            <a:avLst>
+              <a:gd name="adj" fmla="val 7173"/>
+            </a:avLst>
+          </a:prstGeom>
+          <a:solidFill>
+            <a:schemeClr val="bg2"/>
+          </a:solidFill>
+          <a:ln>
+            <a:noFill/>
+          </a:ln>
+        </p:spPr>
+        <p:style>
+          <a:lnRef idx="2">
+            <a:schemeClr val="accent1">
+              <a:shade val="15000"/>
+            </a:schemeClr>
+          </a:lnRef>
+          <a:fillRef idx="1">
+            <a:schemeClr val="accent1"/>
+          </a:fillRef>
+          <a:effectRef idx="0">
+            <a:schemeClr val="accent1"/>
+          </a:effectRef>
+          <a:fontRef idx="minor">
+            <a:schemeClr val="lt1"/>
+          </a:fontRef>
+        </p:style>
+        <p:txBody>
+          <a:bodyPr rtlCol="0" anchor="ctr"/>
+          <a:lstStyle/>
+          <a:p>
+            <a:pPr algn="ctr"/>
+            <a:endParaRPr kumimoji="1" lang="zh-CN" altLang="en-US" sz="4400" dirty="0">
+              <a:latin typeface="AaWLH" pitchFamily="18" charset="-122"/>
+              <a:ea typeface="AaWLH" pitchFamily="18" charset="-122"/>
+            </a:endParaRPr>
+          </a:p>
+        </p:txBody>
+      </p:sp>
+      <p:sp>
+        <p:nvSpPr>
+          <p:cNvPr id="61" name="文本框 60">
+            <a:extLst>
+              <a:ext uri="{FF2B5EF4-FFF2-40B4-BE49-F238E27FC236}">
+                <a16:creationId xmlns:a16="http://schemas.microsoft.com/office/drawing/2014/main" id="{EC202545-1B48-49EF-0B8E-A8D2BB92D4E5}"/>
+              </a:ext>
+            </a:extLst>
+          </p:cNvPr>
+          <p:cNvSpPr txBox="1"/>
+          <p:nvPr/>
+        </p:nvSpPr>
+        <p:spPr>
+          <a:xfrm>
+            <a:off x="8312580" y="3395282"/>
+            <a:ext cx="1594951" cy="307777"/>
+          </a:xfrm>
+          <a:prstGeom prst="rect">
+            <a:avLst/>
+          </a:prstGeom>
+          <a:noFill/>
+        </p:spPr>
+        <p:txBody>
+          <a:bodyPr wrap="square" rtlCol="0">
+            <a:spAutoFit/>
+          </a:bodyPr>
+          <a:lstStyle/>
+          <a:p>
+            <a:pPr algn="ctr"/>
+            <a:r>
+              <a:rPr kumimoji="1" lang="zh-CN" altLang="en-US" sz="1400" b="1" dirty="0">
+                <a:latin typeface="PingFang SC" panose="020B0400000000000000" pitchFamily="34" charset="-122"/>
+                <a:ea typeface="PingFang SC" panose="020B0400000000000000" pitchFamily="34" charset="-122"/>
+              </a:rPr>
+              <a:t>再抽奖</a:t>
+            </a:r>
+            <a:r>
+              <a:rPr kumimoji="1" lang="en-US" altLang="zh-CN" sz="1400" b="1" dirty="0">
+                <a:latin typeface="PingFang SC" panose="020B0400000000000000" pitchFamily="34" charset="-122"/>
+                <a:ea typeface="PingFang SC" panose="020B0400000000000000" pitchFamily="34" charset="-122"/>
+              </a:rPr>
+              <a:t>2</a:t>
+            </a:r>
+            <a:r>
+              <a:rPr kumimoji="1" lang="zh-CN" altLang="en-US" sz="1400" b="1" dirty="0">
+                <a:latin typeface="PingFang SC" panose="020B0400000000000000" pitchFamily="34" charset="-122"/>
+                <a:ea typeface="PingFang SC" panose="020B0400000000000000" pitchFamily="34" charset="-122"/>
+              </a:rPr>
+              <a:t>次解锁</a:t>
+            </a:r>
+          </a:p>
+        </p:txBody>
+      </p:sp>
+      <p:sp>
+        <p:nvSpPr>
+          <p:cNvPr id="62" name="圆角矩形 61">
+            <a:extLst>
+              <a:ext uri="{FF2B5EF4-FFF2-40B4-BE49-F238E27FC236}">
+                <a16:creationId xmlns:a16="http://schemas.microsoft.com/office/drawing/2014/main" id="{D9120C4C-A9FA-6F0F-738F-6EFDC66B1D48}"/>
+              </a:ext>
+            </a:extLst>
+          </p:cNvPr>
+          <p:cNvSpPr/>
+          <p:nvPr/>
+        </p:nvSpPr>
+        <p:spPr>
+          <a:xfrm>
+            <a:off x="10115098" y="2195046"/>
+            <a:ext cx="1594951" cy="1594951"/>
+          </a:xfrm>
+          <a:prstGeom prst="roundRect">
+            <a:avLst>
+              <a:gd name="adj" fmla="val 7173"/>
+            </a:avLst>
+          </a:prstGeom>
+          <a:solidFill>
+            <a:schemeClr val="bg2"/>
+          </a:solidFill>
+          <a:ln>
+            <a:noFill/>
+          </a:ln>
+        </p:spPr>
+        <p:style>
+          <a:lnRef idx="2">
+            <a:schemeClr val="accent1">
+              <a:shade val="15000"/>
+            </a:schemeClr>
+          </a:lnRef>
+          <a:fillRef idx="1">
+            <a:schemeClr val="accent1"/>
+          </a:fillRef>
+          <a:effectRef idx="0">
+            <a:schemeClr val="accent1"/>
+          </a:effectRef>
+          <a:fontRef idx="minor">
+            <a:schemeClr val="lt1"/>
+          </a:fontRef>
+        </p:style>
+        <p:txBody>
+          <a:bodyPr rtlCol="0" anchor="ctr"/>
+          <a:lstStyle/>
+          <a:p>
+            <a:pPr algn="ctr"/>
+            <a:endParaRPr kumimoji="1" lang="zh-CN" altLang="en-US" sz="4400" dirty="0">
+              <a:latin typeface="AaWLH" pitchFamily="18" charset="-122"/>
+              <a:ea typeface="AaWLH" pitchFamily="18" charset="-122"/>
+            </a:endParaRPr>
+          </a:p>
+        </p:txBody>
+      </p:sp>
+      <p:sp>
+        <p:nvSpPr>
+          <p:cNvPr id="63" name="文本框 62">
+            <a:extLst>
+              <a:ext uri="{FF2B5EF4-FFF2-40B4-BE49-F238E27FC236}">
+                <a16:creationId xmlns:a16="http://schemas.microsoft.com/office/drawing/2014/main" id="{B5FD2076-B57F-A450-2AEA-338D291F9029}"/>
+              </a:ext>
+            </a:extLst>
+          </p:cNvPr>
+          <p:cNvSpPr txBox="1"/>
+          <p:nvPr/>
+        </p:nvSpPr>
+        <p:spPr>
+          <a:xfrm>
+            <a:off x="10115098" y="3395282"/>
+            <a:ext cx="1594951" cy="307777"/>
+          </a:xfrm>
+          <a:prstGeom prst="rect">
+            <a:avLst/>
+          </a:prstGeom>
+          <a:noFill/>
+        </p:spPr>
+        <p:txBody>
+          <a:bodyPr wrap="square" rtlCol="0">
+            <a:spAutoFit/>
+          </a:bodyPr>
+          <a:lstStyle/>
+          <a:p>
+            <a:pPr algn="ctr"/>
+            <a:r>
+              <a:rPr kumimoji="1" lang="zh-CN" altLang="en-US" sz="1400" b="1" dirty="0">
+                <a:latin typeface="PingFang SC" panose="020B0400000000000000" pitchFamily="34" charset="-122"/>
+                <a:ea typeface="PingFang SC" panose="020B0400000000000000" pitchFamily="34" charset="-122"/>
+              </a:rPr>
+              <a:t>再抽奖</a:t>
+            </a:r>
+            <a:r>
+              <a:rPr kumimoji="1" lang="en-US" altLang="zh-CN" sz="1400" b="1" dirty="0">
+                <a:latin typeface="PingFang SC" panose="020B0400000000000000" pitchFamily="34" charset="-122"/>
+                <a:ea typeface="PingFang SC" panose="020B0400000000000000" pitchFamily="34" charset="-122"/>
+              </a:rPr>
+              <a:t>2</a:t>
+            </a:r>
+            <a:r>
+              <a:rPr kumimoji="1" lang="zh-CN" altLang="en-US" sz="1400" b="1" dirty="0">
+                <a:latin typeface="PingFang SC" panose="020B0400000000000000" pitchFamily="34" charset="-122"/>
+                <a:ea typeface="PingFang SC" panose="020B0400000000000000" pitchFamily="34" charset="-122"/>
+              </a:rPr>
+              <a:t>次解锁</a:t>
+            </a:r>
+          </a:p>
+        </p:txBody>
+      </p:sp>
+      <p:pic>
+        <p:nvPicPr>
+          <p:cNvPr id="64" name="图片 63">
+            <a:extLst>
+              <a:ext uri="{FF2B5EF4-FFF2-40B4-BE49-F238E27FC236}">
+                <a16:creationId xmlns:a16="http://schemas.microsoft.com/office/drawing/2014/main" id="{D9613D92-461A-3FE7-E9A2-E467E4AF3C8F}"/>
+              </a:ext>
+            </a:extLst>
+          </p:cNvPr>
+          <p:cNvPicPr>
+            <a:picLocks noChangeAspect="1"/>
+          </p:cNvPicPr>
+          <p:nvPr/>
+        </p:nvPicPr>
+        <p:blipFill>
+          <a:blip r:embed="rId4"/>
+          <a:stretch>
+            <a:fillRect/>
+          </a:stretch>
+        </p:blipFill>
+        <p:spPr>
+          <a:xfrm>
+            <a:off x="8718548" y="2444939"/>
+            <a:ext cx="791060" cy="791060"/>
+          </a:xfrm>
+          <a:prstGeom prst="rect">
+            <a:avLst/>
+          </a:prstGeom>
+        </p:spPr>
+      </p:pic>
+      <p:pic>
+        <p:nvPicPr>
+          <p:cNvPr id="65" name="图片 64">
+            <a:extLst>
+              <a:ext uri="{FF2B5EF4-FFF2-40B4-BE49-F238E27FC236}">
+                <a16:creationId xmlns:a16="http://schemas.microsoft.com/office/drawing/2014/main" id="{2C772DED-A9EF-EC0C-5F10-A449B3FA9B6D}"/>
+              </a:ext>
+            </a:extLst>
+          </p:cNvPr>
+          <p:cNvPicPr>
+            <a:picLocks noChangeAspect="1"/>
+          </p:cNvPicPr>
+          <p:nvPr/>
+        </p:nvPicPr>
+        <p:blipFill>
+          <a:blip r:embed="rId5"/>
+          <a:stretch>
+            <a:fillRect/>
+          </a:stretch>
+        </p:blipFill>
+        <p:spPr>
+          <a:xfrm>
+            <a:off x="10321848" y="2249744"/>
+            <a:ext cx="1181450" cy="1181450"/>
+          </a:xfrm>
+          <a:prstGeom prst="rect">
+            <a:avLst/>
+          </a:prstGeom>
+        </p:spPr>
+      </p:pic>
+      <p:sp>
+        <p:nvSpPr>
+          <p:cNvPr id="66" name="圆角矩形 65">
+            <a:extLst>
+              <a:ext uri="{FF2B5EF4-FFF2-40B4-BE49-F238E27FC236}">
+                <a16:creationId xmlns:a16="http://schemas.microsoft.com/office/drawing/2014/main" id="{88E6B8C6-EA41-A96D-2D1E-B6EB7394C55B}"/>
+              </a:ext>
+            </a:extLst>
+          </p:cNvPr>
+          <p:cNvSpPr/>
+          <p:nvPr/>
+        </p:nvSpPr>
+        <p:spPr>
+          <a:xfrm>
+            <a:off x="10112474" y="3953725"/>
+            <a:ext cx="1594951" cy="1594951"/>
+          </a:xfrm>
+          <a:prstGeom prst="roundRect">
+            <a:avLst>
+              <a:gd name="adj" fmla="val 7173"/>
+            </a:avLst>
+          </a:prstGeom>
+          <a:solidFill>
+            <a:schemeClr val="bg2"/>
+          </a:solidFill>
+          <a:ln>
+            <a:noFill/>
+          </a:ln>
+        </p:spPr>
+        <p:style>
+          <a:lnRef idx="2">
+            <a:schemeClr val="accent1">
+              <a:shade val="15000"/>
+            </a:schemeClr>
+          </a:lnRef>
+          <a:fillRef idx="1">
+            <a:schemeClr val="accent1"/>
+          </a:fillRef>
+          <a:effectRef idx="0">
+            <a:schemeClr val="accent1"/>
+          </a:effectRef>
+          <a:fontRef idx="minor">
+            <a:schemeClr val="lt1"/>
+          </a:fontRef>
+        </p:style>
+        <p:txBody>
+          <a:bodyPr rtlCol="0" anchor="ctr"/>
+          <a:lstStyle/>
+          <a:p>
+            <a:pPr algn="ctr"/>
+            <a:endParaRPr kumimoji="1" lang="zh-CN" altLang="en-US" sz="4400" dirty="0">
+              <a:latin typeface="AaWLH" pitchFamily="18" charset="-122"/>
+              <a:ea typeface="AaWLH" pitchFamily="18" charset="-122"/>
+            </a:endParaRPr>
+          </a:p>
+        </p:txBody>
+      </p:sp>
+      <p:sp>
+        <p:nvSpPr>
+          <p:cNvPr id="67" name="文本框 66">
+            <a:extLst>
+              <a:ext uri="{FF2B5EF4-FFF2-40B4-BE49-F238E27FC236}">
+                <a16:creationId xmlns:a16="http://schemas.microsoft.com/office/drawing/2014/main" id="{8EA6A382-2626-F082-DDB7-1D5ADFE468C7}"/>
+              </a:ext>
+            </a:extLst>
+          </p:cNvPr>
+          <p:cNvSpPr txBox="1"/>
+          <p:nvPr/>
+        </p:nvSpPr>
+        <p:spPr>
+          <a:xfrm>
+            <a:off x="10112474" y="5153961"/>
+            <a:ext cx="1594951" cy="307777"/>
+          </a:xfrm>
+          <a:prstGeom prst="rect">
+            <a:avLst/>
+          </a:prstGeom>
+          <a:noFill/>
+        </p:spPr>
+        <p:txBody>
+          <a:bodyPr wrap="square" rtlCol="0">
+            <a:spAutoFit/>
+          </a:bodyPr>
+          <a:lstStyle/>
+          <a:p>
+            <a:pPr algn="ctr"/>
+            <a:r>
+              <a:rPr kumimoji="1" lang="zh-CN" altLang="en-US" sz="1400" b="1" dirty="0">
+                <a:latin typeface="PingFang SC" panose="020B0400000000000000" pitchFamily="34" charset="-122"/>
+                <a:ea typeface="PingFang SC" panose="020B0400000000000000" pitchFamily="34" charset="-122"/>
+              </a:rPr>
+              <a:t>再抽奖</a:t>
+            </a:r>
+            <a:r>
+              <a:rPr kumimoji="1" lang="en-US" altLang="zh-CN" sz="1400" b="1" dirty="0">
+                <a:latin typeface="PingFang SC" panose="020B0400000000000000" pitchFamily="34" charset="-122"/>
+                <a:ea typeface="PingFang SC" panose="020B0400000000000000" pitchFamily="34" charset="-122"/>
+              </a:rPr>
+              <a:t>3</a:t>
+            </a:r>
+            <a:r>
+              <a:rPr kumimoji="1" lang="zh-CN" altLang="en-US" sz="1400" b="1" dirty="0">
+                <a:latin typeface="PingFang SC" panose="020B0400000000000000" pitchFamily="34" charset="-122"/>
+                <a:ea typeface="PingFang SC" panose="020B0400000000000000" pitchFamily="34" charset="-122"/>
+              </a:rPr>
+              <a:t>次解锁</a:t>
+            </a:r>
+          </a:p>
+        </p:txBody>
+      </p:sp>
+      <p:pic>
+        <p:nvPicPr>
+          <p:cNvPr id="68" name="图片 67">
+            <a:extLst>
+              <a:ext uri="{FF2B5EF4-FFF2-40B4-BE49-F238E27FC236}">
+                <a16:creationId xmlns:a16="http://schemas.microsoft.com/office/drawing/2014/main" id="{4FD47DC3-5FF6-B4A5-6E34-51BEF4BFA1FD}"/>
+              </a:ext>
+            </a:extLst>
+          </p:cNvPr>
+          <p:cNvPicPr>
+            <a:picLocks noChangeAspect="1"/>
+          </p:cNvPicPr>
+          <p:nvPr/>
+        </p:nvPicPr>
+        <p:blipFill>
+          <a:blip r:embed="rId5"/>
+          <a:stretch>
+            <a:fillRect/>
+          </a:stretch>
+        </p:blipFill>
+        <p:spPr>
+          <a:xfrm>
+            <a:off x="10319224" y="4008423"/>
+            <a:ext cx="1181450" cy="1181450"/>
+          </a:xfrm>
+          <a:prstGeom prst="rect">
+            <a:avLst/>
+          </a:prstGeom>
+        </p:spPr>
+      </p:pic>
+      <p:sp>
+        <p:nvSpPr>
+          <p:cNvPr id="69" name="圆角矩形 68">
+            <a:extLst>
+              <a:ext uri="{FF2B5EF4-FFF2-40B4-BE49-F238E27FC236}">
+                <a16:creationId xmlns:a16="http://schemas.microsoft.com/office/drawing/2014/main" id="{75E77F85-043F-1755-B945-6273CD1D2CD1}"/>
+              </a:ext>
+            </a:extLst>
+          </p:cNvPr>
+          <p:cNvSpPr/>
+          <p:nvPr/>
+        </p:nvSpPr>
+        <p:spPr>
+          <a:xfrm>
+            <a:off x="8308586" y="389539"/>
+            <a:ext cx="1594951" cy="1643422"/>
+          </a:xfrm>
+          <a:prstGeom prst="roundRect">
+            <a:avLst>
+              <a:gd name="adj" fmla="val 0"/>
+            </a:avLst>
+          </a:prstGeom>
+          <a:solidFill>
+            <a:schemeClr val="bg1">
+              <a:alpha val="38000"/>
+            </a:schemeClr>
+          </a:solidFill>
+          <a:ln>
+            <a:noFill/>
+          </a:ln>
+        </p:spPr>
+        <p:style>
+          <a:lnRef idx="2">
+            <a:schemeClr val="accent1">
+              <a:shade val="15000"/>
+            </a:schemeClr>
+          </a:lnRef>
+          <a:fillRef idx="1">
+            <a:schemeClr val="accent1"/>
+          </a:fillRef>
+          <a:effectRef idx="0">
+            <a:schemeClr val="accent1"/>
+          </a:effectRef>
+          <a:fontRef idx="minor">
+            <a:schemeClr val="lt1"/>
+          </a:fontRef>
+        </p:style>
+        <p:txBody>
+          <a:bodyPr rtlCol="0" anchor="ctr"/>
+          <a:lstStyle/>
+          <a:p>
+            <a:pPr algn="ctr"/>
+            <a:endParaRPr kumimoji="1" lang="zh-CN" altLang="en-US" dirty="0"/>
+          </a:p>
+        </p:txBody>
+      </p:sp>
+      <p:sp>
+        <p:nvSpPr>
+          <p:cNvPr id="70" name="圆角矩形 69">
+            <a:extLst>
+              <a:ext uri="{FF2B5EF4-FFF2-40B4-BE49-F238E27FC236}">
+                <a16:creationId xmlns:a16="http://schemas.microsoft.com/office/drawing/2014/main" id="{B91BB55B-B736-A006-E1AE-3A0D971EA308}"/>
+              </a:ext>
+            </a:extLst>
+          </p:cNvPr>
+          <p:cNvSpPr/>
+          <p:nvPr/>
+        </p:nvSpPr>
+        <p:spPr>
+          <a:xfrm>
+            <a:off x="10106690" y="447039"/>
+            <a:ext cx="1594951" cy="1594951"/>
+          </a:xfrm>
+          <a:prstGeom prst="roundRect">
+            <a:avLst>
+              <a:gd name="adj" fmla="val 0"/>
+            </a:avLst>
+          </a:prstGeom>
+          <a:solidFill>
+            <a:schemeClr val="bg1">
+              <a:alpha val="38000"/>
+            </a:schemeClr>
+          </a:solidFill>
+          <a:ln>
+            <a:noFill/>
+          </a:ln>
+        </p:spPr>
+        <p:style>
+          <a:lnRef idx="2">
+            <a:schemeClr val="accent1">
+              <a:shade val="15000"/>
+            </a:schemeClr>
+          </a:lnRef>
+          <a:fillRef idx="1">
+            <a:schemeClr val="accent1"/>
+          </a:fillRef>
+          <a:effectRef idx="0">
+            <a:schemeClr val="accent1"/>
+          </a:effectRef>
+          <a:fontRef idx="minor">
+            <a:schemeClr val="lt1"/>
+          </a:fontRef>
+        </p:style>
+        <p:txBody>
+          <a:bodyPr rtlCol="0" anchor="ctr"/>
+          <a:lstStyle/>
+          <a:p>
+            <a:pPr algn="ctr"/>
+            <a:endParaRPr kumimoji="1" lang="zh-CN" altLang="en-US" dirty="0"/>
+          </a:p>
+        </p:txBody>
+      </p:sp>
+      <p:sp>
+        <p:nvSpPr>
+          <p:cNvPr id="71" name="圆角矩形 70">
+            <a:extLst>
+              <a:ext uri="{FF2B5EF4-FFF2-40B4-BE49-F238E27FC236}">
+                <a16:creationId xmlns:a16="http://schemas.microsoft.com/office/drawing/2014/main" id="{FC1EB771-1229-EC32-459B-1F1A6D58B311}"/>
+              </a:ext>
+            </a:extLst>
+          </p:cNvPr>
+          <p:cNvSpPr/>
+          <p:nvPr/>
+        </p:nvSpPr>
+        <p:spPr>
+          <a:xfrm>
+            <a:off x="10111076" y="2209226"/>
+            <a:ext cx="1594951" cy="1643422"/>
+          </a:xfrm>
+          <a:prstGeom prst="roundRect">
+            <a:avLst>
+              <a:gd name="adj" fmla="val 0"/>
+            </a:avLst>
+          </a:prstGeom>
+          <a:solidFill>
+            <a:schemeClr val="bg1">
+              <a:alpha val="38000"/>
+            </a:schemeClr>
+          </a:solidFill>
+          <a:ln>
+            <a:noFill/>
+          </a:ln>
+        </p:spPr>
+        <p:style>
+          <a:lnRef idx="2">
+            <a:schemeClr val="accent1">
+              <a:shade val="15000"/>
+            </a:schemeClr>
+          </a:lnRef>
+          <a:fillRef idx="1">
+            <a:schemeClr val="accent1"/>
+          </a:fillRef>
+          <a:effectRef idx="0">
+            <a:schemeClr val="accent1"/>
+          </a:effectRef>
+          <a:fontRef idx="minor">
+            <a:schemeClr val="lt1"/>
+          </a:fontRef>
+        </p:style>
+        <p:txBody>
+          <a:bodyPr rtlCol="0" anchor="ctr"/>
+          <a:lstStyle/>
+          <a:p>
+            <a:pPr algn="ctr"/>
+            <a:endParaRPr kumimoji="1" lang="zh-CN" altLang="en-US" dirty="0"/>
+          </a:p>
+        </p:txBody>
+      </p:sp>
+      <p:sp>
+        <p:nvSpPr>
+          <p:cNvPr id="72" name="圆角矩形 71">
+            <a:extLst>
+              <a:ext uri="{FF2B5EF4-FFF2-40B4-BE49-F238E27FC236}">
+                <a16:creationId xmlns:a16="http://schemas.microsoft.com/office/drawing/2014/main" id="{C44D7F2D-935F-C51B-893B-4C39A723C154}"/>
+              </a:ext>
+            </a:extLst>
+          </p:cNvPr>
+          <p:cNvSpPr/>
+          <p:nvPr/>
+        </p:nvSpPr>
+        <p:spPr>
+          <a:xfrm>
+            <a:off x="10111076" y="3929489"/>
+            <a:ext cx="1594951" cy="1643422"/>
+          </a:xfrm>
+          <a:prstGeom prst="roundRect">
+            <a:avLst>
+              <a:gd name="adj" fmla="val 0"/>
+            </a:avLst>
+          </a:prstGeom>
+          <a:solidFill>
+            <a:schemeClr val="bg1">
+              <a:alpha val="38000"/>
+            </a:schemeClr>
+          </a:solidFill>
+          <a:ln>
+            <a:noFill/>
+          </a:ln>
+        </p:spPr>
+        <p:style>
+          <a:lnRef idx="2">
+            <a:schemeClr val="accent1">
+              <a:shade val="15000"/>
+            </a:schemeClr>
+          </a:lnRef>
+          <a:fillRef idx="1">
+            <a:schemeClr val="accent1"/>
+          </a:fillRef>
+          <a:effectRef idx="0">
+            <a:schemeClr val="accent1"/>
+          </a:effectRef>
+          <a:fontRef idx="minor">
+            <a:schemeClr val="lt1"/>
+          </a:fontRef>
+        </p:style>
+        <p:txBody>
+          <a:bodyPr rtlCol="0" anchor="ctr"/>
+          <a:lstStyle/>
+          <a:p>
+            <a:pPr algn="ctr"/>
+            <a:endParaRPr kumimoji="1" lang="zh-CN" altLang="en-US" dirty="0"/>
+          </a:p>
+        </p:txBody>
+      </p:sp>
+      <p:sp>
+        <p:nvSpPr>
+          <p:cNvPr id="73" name="圆角矩形 72">
+            <a:extLst>
+              <a:ext uri="{FF2B5EF4-FFF2-40B4-BE49-F238E27FC236}">
+                <a16:creationId xmlns:a16="http://schemas.microsoft.com/office/drawing/2014/main" id="{E2F6EFCD-E753-431E-DCA5-EEFBD1116C4F}"/>
+              </a:ext>
+            </a:extLst>
+          </p:cNvPr>
+          <p:cNvSpPr/>
+          <p:nvPr/>
+        </p:nvSpPr>
+        <p:spPr>
+          <a:xfrm>
+            <a:off x="8316602" y="2195046"/>
+            <a:ext cx="1594951" cy="1590324"/>
+          </a:xfrm>
+          <a:prstGeom prst="roundRect">
+            <a:avLst>
+              <a:gd name="adj" fmla="val 0"/>
+            </a:avLst>
+          </a:prstGeom>
+          <a:solidFill>
+            <a:schemeClr val="bg1">
+              <a:alpha val="38000"/>
+            </a:schemeClr>
+          </a:solidFill>
+          <a:ln>
+            <a:noFill/>
+          </a:ln>
+        </p:spPr>
+        <p:style>
+          <a:lnRef idx="2">
+            <a:schemeClr val="accent1">
+              <a:shade val="15000"/>
+            </a:schemeClr>
+          </a:lnRef>
+          <a:fillRef idx="1">
+            <a:schemeClr val="accent1"/>
+          </a:fillRef>
+          <a:effectRef idx="0">
+            <a:schemeClr val="accent1"/>
+          </a:effectRef>
+          <a:fontRef idx="minor">
+            <a:schemeClr val="lt1"/>
+          </a:fontRef>
+        </p:style>
+        <p:txBody>
+          <a:bodyPr rtlCol="0" anchor="ctr"/>
+          <a:lstStyle/>
+          <a:p>
+            <a:pPr algn="ctr"/>
+            <a:endParaRPr kumimoji="1" lang="zh-CN" altLang="en-US" dirty="0"/>
+          </a:p>
+        </p:txBody>
+      </p:sp>
+      <p:sp>
+        <p:nvSpPr>
+          <p:cNvPr id="74" name="文本框 73">
+            <a:extLst>
+              <a:ext uri="{FF2B5EF4-FFF2-40B4-BE49-F238E27FC236}">
+                <a16:creationId xmlns:a16="http://schemas.microsoft.com/office/drawing/2014/main" id="{9A1783D2-6F2F-3D35-E1F1-E05010EE3B7D}"/>
+              </a:ext>
+            </a:extLst>
+          </p:cNvPr>
+          <p:cNvSpPr txBox="1"/>
+          <p:nvPr/>
+        </p:nvSpPr>
+        <p:spPr>
+          <a:xfrm>
+            <a:off x="9506984" y="486932"/>
+            <a:ext cx="415498" cy="369332"/>
+          </a:xfrm>
+          <a:prstGeom prst="rect">
+            <a:avLst/>
+          </a:prstGeom>
+          <a:noFill/>
+        </p:spPr>
+        <p:txBody>
+          <a:bodyPr wrap="none" rtlCol="0">
+            <a:spAutoFit/>
+          </a:bodyPr>
+          <a:lstStyle/>
+          <a:p>
+            <a:r>
+              <a:rPr kumimoji="1" lang="en-US" altLang="zh-CN" dirty="0"/>
+              <a:t>🔐</a:t>
+            </a:r>
+            <a:endParaRPr kumimoji="1" lang="zh-CN" altLang="en-US" dirty="0"/>
+          </a:p>
+        </p:txBody>
+      </p:sp>
+      <p:sp>
+        <p:nvSpPr>
+          <p:cNvPr id="75" name="文本框 74">
+            <a:extLst>
+              <a:ext uri="{FF2B5EF4-FFF2-40B4-BE49-F238E27FC236}">
+                <a16:creationId xmlns:a16="http://schemas.microsoft.com/office/drawing/2014/main" id="{43CD1CBB-C3FB-D124-0AB8-7C365067550C}"/>
+              </a:ext>
+            </a:extLst>
+          </p:cNvPr>
+          <p:cNvSpPr txBox="1"/>
+          <p:nvPr/>
+        </p:nvSpPr>
+        <p:spPr>
+          <a:xfrm>
+            <a:off x="11308225" y="483904"/>
+            <a:ext cx="415498" cy="369332"/>
+          </a:xfrm>
+          <a:prstGeom prst="rect">
+            <a:avLst/>
+          </a:prstGeom>
+          <a:noFill/>
+        </p:spPr>
+        <p:txBody>
+          <a:bodyPr wrap="none" rtlCol="0">
+            <a:spAutoFit/>
+          </a:bodyPr>
+          <a:lstStyle/>
+          <a:p>
+            <a:r>
+              <a:rPr kumimoji="1" lang="en-US" altLang="zh-CN" dirty="0"/>
+              <a:t>🔐</a:t>
+            </a:r>
+            <a:endParaRPr kumimoji="1" lang="zh-CN" altLang="en-US" dirty="0"/>
+          </a:p>
+        </p:txBody>
+      </p:sp>
+      <p:sp>
+        <p:nvSpPr>
+          <p:cNvPr id="84" name="文本框 83">
+            <a:extLst>
+              <a:ext uri="{FF2B5EF4-FFF2-40B4-BE49-F238E27FC236}">
+                <a16:creationId xmlns:a16="http://schemas.microsoft.com/office/drawing/2014/main" id="{8DFCAB73-B3C2-B92F-069B-49C06416B94E}"/>
+              </a:ext>
+            </a:extLst>
+          </p:cNvPr>
+          <p:cNvSpPr txBox="1"/>
+          <p:nvPr/>
+        </p:nvSpPr>
+        <p:spPr>
+          <a:xfrm>
+            <a:off x="9508609" y="2243489"/>
+            <a:ext cx="415498" cy="369332"/>
+          </a:xfrm>
+          <a:prstGeom prst="rect">
+            <a:avLst/>
+          </a:prstGeom>
+          <a:noFill/>
+        </p:spPr>
+        <p:txBody>
+          <a:bodyPr wrap="none" rtlCol="0">
+            <a:spAutoFit/>
+          </a:bodyPr>
+          <a:lstStyle/>
+          <a:p>
+            <a:r>
+              <a:rPr kumimoji="1" lang="en-US" altLang="zh-CN" dirty="0"/>
+              <a:t>🔐</a:t>
+            </a:r>
+            <a:endParaRPr kumimoji="1" lang="zh-CN" altLang="en-US" dirty="0"/>
+          </a:p>
+        </p:txBody>
+      </p:sp>
+      <p:sp>
+        <p:nvSpPr>
+          <p:cNvPr id="85" name="文本框 84">
+            <a:extLst>
+              <a:ext uri="{FF2B5EF4-FFF2-40B4-BE49-F238E27FC236}">
+                <a16:creationId xmlns:a16="http://schemas.microsoft.com/office/drawing/2014/main" id="{FBEBBCE4-11E6-AB20-0A55-779894C46828}"/>
+              </a:ext>
+            </a:extLst>
+          </p:cNvPr>
+          <p:cNvSpPr txBox="1"/>
+          <p:nvPr/>
+        </p:nvSpPr>
+        <p:spPr>
+          <a:xfrm>
+            <a:off x="11340540" y="2259955"/>
+            <a:ext cx="415498" cy="369332"/>
+          </a:xfrm>
+          <a:prstGeom prst="rect">
+            <a:avLst/>
+          </a:prstGeom>
+          <a:noFill/>
+        </p:spPr>
+        <p:txBody>
+          <a:bodyPr wrap="none" rtlCol="0">
+            <a:spAutoFit/>
+          </a:bodyPr>
+          <a:lstStyle/>
+          <a:p>
+            <a:r>
+              <a:rPr kumimoji="1" lang="en-US" altLang="zh-CN" dirty="0"/>
+              <a:t>🔐</a:t>
+            </a:r>
+            <a:endParaRPr kumimoji="1" lang="zh-CN" altLang="en-US" dirty="0"/>
+          </a:p>
+        </p:txBody>
+      </p:sp>
+      <p:sp>
+        <p:nvSpPr>
+          <p:cNvPr id="86" name="文本框 85">
+            <a:extLst>
+              <a:ext uri="{FF2B5EF4-FFF2-40B4-BE49-F238E27FC236}">
+                <a16:creationId xmlns:a16="http://schemas.microsoft.com/office/drawing/2014/main" id="{5DFEDF11-DC3A-E97F-446D-DA29861B1976}"/>
+              </a:ext>
+            </a:extLst>
+          </p:cNvPr>
+          <p:cNvSpPr txBox="1"/>
+          <p:nvPr/>
+        </p:nvSpPr>
+        <p:spPr>
+          <a:xfrm>
+            <a:off x="11340540" y="4044048"/>
+            <a:ext cx="415498" cy="369332"/>
+          </a:xfrm>
+          <a:prstGeom prst="rect">
+            <a:avLst/>
+          </a:prstGeom>
+          <a:noFill/>
+        </p:spPr>
+        <p:txBody>
+          <a:bodyPr wrap="none" rtlCol="0">
+            <a:spAutoFit/>
+          </a:bodyPr>
+          <a:lstStyle/>
+          <a:p>
+            <a:r>
+              <a:rPr kumimoji="1" lang="en-US" altLang="zh-CN" dirty="0"/>
+              <a:t>🔐</a:t>
+            </a:r>
+            <a:endParaRPr kumimoji="1" lang="zh-CN" altLang="en-US" dirty="0"/>
+          </a:p>
+        </p:txBody>
+      </p:sp>
+      <p:pic>
+        <p:nvPicPr>
+          <p:cNvPr id="6" name="图片 5">
+            <a:extLst>
+              <a:ext uri="{FF2B5EF4-FFF2-40B4-BE49-F238E27FC236}">
+                <a16:creationId xmlns:a16="http://schemas.microsoft.com/office/drawing/2014/main" id="{06F1BAFF-A2E3-4EA6-97FC-9757CEEBA5DB}"/>
+              </a:ext>
+            </a:extLst>
+          </p:cNvPr>
+          <p:cNvPicPr>
+            <a:picLocks noChangeAspect="1"/>
+          </p:cNvPicPr>
+          <p:nvPr/>
+        </p:nvPicPr>
+        <p:blipFill>
+          <a:blip r:embed="rId6"/>
+          <a:stretch>
+            <a:fillRect/>
+          </a:stretch>
+        </p:blipFill>
+        <p:spPr>
+          <a:xfrm>
+            <a:off x="850467" y="627837"/>
+            <a:ext cx="1025431" cy="1025431"/>
+          </a:xfrm>
+          <a:prstGeom prst="rect">
+            <a:avLst/>
+          </a:prstGeom>
+        </p:spPr>
+      </p:pic>
+      <p:pic>
+        <p:nvPicPr>
+          <p:cNvPr id="10" name="图片 9">
+            <a:extLst>
+              <a:ext uri="{FF2B5EF4-FFF2-40B4-BE49-F238E27FC236}">
+                <a16:creationId xmlns:a16="http://schemas.microsoft.com/office/drawing/2014/main" id="{4F925E00-0C6F-43C1-9570-0BF61B14390B}"/>
+              </a:ext>
+            </a:extLst>
+          </p:cNvPr>
+          <p:cNvPicPr>
+            <a:picLocks noChangeAspect="1"/>
+          </p:cNvPicPr>
+          <p:nvPr/>
+        </p:nvPicPr>
+        <p:blipFill>
+          <a:blip r:embed="rId7"/>
+          <a:stretch>
+            <a:fillRect/>
+          </a:stretch>
+        </p:blipFill>
+        <p:spPr>
+          <a:xfrm>
+            <a:off x="2650087" y="616775"/>
+            <a:ext cx="1061834" cy="1061834"/>
+          </a:xfrm>
+          <a:prstGeom prst="rect">
+            <a:avLst/>
+          </a:prstGeom>
+        </p:spPr>
+      </p:pic>
+      <p:pic>
+        <p:nvPicPr>
+          <p:cNvPr id="12" name="图片 11">
+            <a:extLst>
+              <a:ext uri="{FF2B5EF4-FFF2-40B4-BE49-F238E27FC236}">
+                <a16:creationId xmlns:a16="http://schemas.microsoft.com/office/drawing/2014/main" id="{BE5C124E-61EF-401E-AA13-D2334971119A}"/>
+              </a:ext>
+            </a:extLst>
+          </p:cNvPr>
+          <p:cNvPicPr>
+            <a:picLocks noChangeAspect="1"/>
+          </p:cNvPicPr>
+          <p:nvPr/>
+        </p:nvPicPr>
+        <p:blipFill>
+          <a:blip r:embed="rId8"/>
+          <a:stretch>
+            <a:fillRect/>
+          </a:stretch>
+        </p:blipFill>
+        <p:spPr>
+          <a:xfrm>
+            <a:off x="4427549" y="575736"/>
+            <a:ext cx="1077532" cy="1077532"/>
+          </a:xfrm>
+          <a:prstGeom prst="rect">
+            <a:avLst/>
+          </a:prstGeom>
+        </p:spPr>
+      </p:pic>
+      <p:pic>
+        <p:nvPicPr>
+          <p:cNvPr id="21" name="图片 20">
+            <a:extLst>
+              <a:ext uri="{FF2B5EF4-FFF2-40B4-BE49-F238E27FC236}">
+                <a16:creationId xmlns:a16="http://schemas.microsoft.com/office/drawing/2014/main" id="{C534C935-245C-4BD9-974D-01030FBD407D}"/>
+              </a:ext>
+            </a:extLst>
+          </p:cNvPr>
+          <p:cNvPicPr>
+            <a:picLocks noChangeAspect="1"/>
+          </p:cNvPicPr>
+          <p:nvPr/>
+        </p:nvPicPr>
+        <p:blipFill>
+          <a:blip r:embed="rId9"/>
+          <a:stretch>
+            <a:fillRect/>
+          </a:stretch>
+        </p:blipFill>
+        <p:spPr>
+          <a:xfrm>
+            <a:off x="850467" y="2351468"/>
+            <a:ext cx="1077532" cy="1077532"/>
+          </a:xfrm>
+          <a:prstGeom prst="rect">
+            <a:avLst/>
+          </a:prstGeom>
+        </p:spPr>
+      </p:pic>
+      <p:pic>
+        <p:nvPicPr>
+          <p:cNvPr id="27" name="图片 26">
+            <a:extLst>
+              <a:ext uri="{FF2B5EF4-FFF2-40B4-BE49-F238E27FC236}">
+                <a16:creationId xmlns:a16="http://schemas.microsoft.com/office/drawing/2014/main" id="{36694148-357A-4B64-9043-F9BB9539FEED}"/>
+              </a:ext>
+            </a:extLst>
+          </p:cNvPr>
+          <p:cNvPicPr>
+            <a:picLocks noChangeAspect="1"/>
+          </p:cNvPicPr>
+          <p:nvPr/>
+        </p:nvPicPr>
+        <p:blipFill>
+          <a:blip r:embed="rId10"/>
+          <a:stretch>
+            <a:fillRect/>
+          </a:stretch>
+        </p:blipFill>
+        <p:spPr>
+          <a:xfrm>
+            <a:off x="4427551" y="2351468"/>
+            <a:ext cx="1077532" cy="1077532"/>
+          </a:xfrm>
+          <a:prstGeom prst="rect">
+            <a:avLst/>
+          </a:prstGeom>
+        </p:spPr>
+      </p:pic>
+      <p:pic>
+        <p:nvPicPr>
+          <p:cNvPr id="33" name="图片 32">
+            <a:extLst>
+              <a:ext uri="{FF2B5EF4-FFF2-40B4-BE49-F238E27FC236}">
+                <a16:creationId xmlns:a16="http://schemas.microsoft.com/office/drawing/2014/main" id="{51794734-A3D1-40B2-9F50-FBE18C50AD34}"/>
+              </a:ext>
+            </a:extLst>
+          </p:cNvPr>
+          <p:cNvPicPr>
+            <a:picLocks noChangeAspect="1"/>
+          </p:cNvPicPr>
+          <p:nvPr/>
+        </p:nvPicPr>
+        <p:blipFill>
+          <a:blip r:embed="rId11"/>
+          <a:stretch>
+            <a:fillRect/>
+          </a:stretch>
+        </p:blipFill>
+        <p:spPr>
+          <a:xfrm>
+            <a:off x="834988" y="4112341"/>
+            <a:ext cx="1077532" cy="1077532"/>
+          </a:xfrm>
+          <a:prstGeom prst="rect">
+            <a:avLst/>
+          </a:prstGeom>
+        </p:spPr>
+      </p:pic>
+      <p:pic>
+        <p:nvPicPr>
+          <p:cNvPr id="37" name="图片 36">
+            <a:extLst>
+              <a:ext uri="{FF2B5EF4-FFF2-40B4-BE49-F238E27FC236}">
+                <a16:creationId xmlns:a16="http://schemas.microsoft.com/office/drawing/2014/main" id="{E7D9AA66-DB4D-4ED0-A588-594C9B96D57B}"/>
+              </a:ext>
+            </a:extLst>
+          </p:cNvPr>
+          <p:cNvPicPr>
+            <a:picLocks noChangeAspect="1"/>
+          </p:cNvPicPr>
+          <p:nvPr/>
+        </p:nvPicPr>
+        <p:blipFill>
+          <a:blip r:embed="rId12"/>
+          <a:stretch>
+            <a:fillRect/>
+          </a:stretch>
+        </p:blipFill>
+        <p:spPr>
+          <a:xfrm>
+            <a:off x="2650087" y="4112341"/>
+            <a:ext cx="1061834" cy="1061834"/>
+          </a:xfrm>
+          <a:prstGeom prst="rect">
+            <a:avLst/>
+          </a:prstGeom>
+        </p:spPr>
+      </p:pic>
+    </p:spTree>
+    <p:extLst>
+      <p:ext uri="{BB962C8B-B14F-4D97-AF65-F5344CB8AC3E}">
+        <p14:creationId xmlns:p14="http://schemas.microsoft.com/office/powerpoint/2010/main" val="1012121461"/>
+      </p:ext>
+    </p:extLst>
+  </p:cSld>
+  <p:clrMapOvr>
+    <a:masterClrMapping/>
+  </p:clrMapOvr>
+</p:sld>
+</file>
+
+<file path=ppt/slides/slide3.xml><?xml version="1.0" encoding="utf-8"?>
+<p:sld xmlns:a="http://schemas.openxmlformats.org/drawingml/2006/main" xmlns:r="http://schemas.openxmlformats.org/officeDocument/2006/relationships" xmlns:p="http://schemas.openxmlformats.org/presentationml/2006/main">
+  <p:cSld>
+    <p:spTree>
+      <p:nvGrpSpPr>
+        <p:cNvPr id="1" name=""/>
+        <p:cNvGrpSpPr/>
+        <p:nvPr/>
+      </p:nvGrpSpPr>
+      <p:grpSpPr>
+        <a:xfrm>
+          <a:off x="0" y="0"/>
+          <a:ext cx="0" cy="0"/>
+          <a:chOff x="0" y="0"/>
+          <a:chExt cx="0" cy="0"/>
+        </a:xfrm>
+      </p:grpSpPr>
+      <p:sp>
+        <p:nvSpPr>
+          <p:cNvPr id="5" name="圆角矩形 4">
+            <a:extLst>
+              <a:ext uri="{FF2B5EF4-FFF2-40B4-BE49-F238E27FC236}">
+                <a16:creationId xmlns:a16="http://schemas.microsoft.com/office/drawing/2014/main" id="{65C9970B-FFD7-C8AE-A364-0964DD7B5778}"/>
+              </a:ext>
+            </a:extLst>
+          </p:cNvPr>
+          <p:cNvSpPr/>
+          <p:nvPr/>
+        </p:nvSpPr>
+        <p:spPr>
+          <a:xfrm>
+            <a:off x="2370399" y="2199491"/>
+            <a:ext cx="1594951" cy="1594951"/>
+          </a:xfrm>
+          <a:prstGeom prst="roundRect">
+            <a:avLst>
+              <a:gd name="adj" fmla="val 7173"/>
+            </a:avLst>
+          </a:prstGeom>
+          <a:gradFill flip="none" rotWithShape="1">
+            <a:gsLst>
+              <a:gs pos="0">
+                <a:srgbClr val="C00000">
+                  <a:shade val="30000"/>
+                  <a:satMod val="115000"/>
+                </a:srgbClr>
+              </a:gs>
+              <a:gs pos="35000">
+                <a:srgbClr val="C00000">
+                  <a:shade val="67500"/>
+                  <a:satMod val="115000"/>
+                </a:srgbClr>
+              </a:gs>
+              <a:gs pos="100000">
+                <a:srgbClr val="C00000">
+                  <a:shade val="100000"/>
+                  <a:satMod val="115000"/>
+                </a:srgbClr>
+              </a:gs>
+            </a:gsLst>
+            <a:lin ang="16200000" scaled="1"/>
+            <a:tileRect/>
+          </a:gradFill>
+          <a:ln>
+            <a:gradFill flip="none" rotWithShape="1">
+              <a:gsLst>
+                <a:gs pos="0">
+                  <a:schemeClr val="bg1"/>
+                </a:gs>
+                <a:gs pos="100000">
+                  <a:schemeClr val="tx1"/>
+                </a:gs>
+                <a:gs pos="100000">
+                  <a:schemeClr val="accent1">
+                    <a:lumMod val="45000"/>
+                    <a:lumOff val="55000"/>
+                  </a:schemeClr>
+                </a:gs>
+                <a:gs pos="100000">
+                  <a:schemeClr val="accent1">
+                    <a:lumMod val="30000"/>
+                    <a:lumOff val="70000"/>
+                  </a:schemeClr>
+                </a:gs>
+              </a:gsLst>
+              <a:lin ang="5400000" scaled="1"/>
+              <a:tileRect/>
+            </a:gradFill>
+          </a:ln>
+        </p:spPr>
+        <p:style>
+          <a:lnRef idx="2">
+            <a:schemeClr val="accent1">
+              <a:shade val="15000"/>
+            </a:schemeClr>
+          </a:lnRef>
+          <a:fillRef idx="1">
+            <a:schemeClr val="accent1"/>
+          </a:fillRef>
+          <a:effectRef idx="0">
+            <a:schemeClr val="accent1"/>
+          </a:effectRef>
+          <a:fontRef idx="minor">
+            <a:schemeClr val="lt1"/>
+          </a:fontRef>
+        </p:style>
+        <p:txBody>
+          <a:bodyPr rtlCol="0" anchor="ctr"/>
+          <a:lstStyle/>
+          <a:p>
+            <a:pPr algn="ctr"/>
+            <a:r>
+              <a:rPr kumimoji="1" lang="zh-CN" altLang="en-US" sz="4400" dirty="0">
+                <a:latin typeface="AaWLH" pitchFamily="18" charset="-122"/>
+                <a:ea typeface="AaWLH" pitchFamily="18" charset="-122"/>
+              </a:rPr>
+              <a:t>立即</a:t>
+            </a:r>
+            <a:endParaRPr kumimoji="1" lang="en-US" altLang="zh-CN" sz="4400" dirty="0">
+              <a:latin typeface="AaWLH" pitchFamily="18" charset="-122"/>
+              <a:ea typeface="AaWLH" pitchFamily="18" charset="-122"/>
+            </a:endParaRPr>
+          </a:p>
+          <a:p>
+            <a:pPr algn="ctr"/>
+            <a:r>
+              <a:rPr kumimoji="1" lang="zh-CN" altLang="en-US" sz="4400" dirty="0">
+                <a:latin typeface="AaWLH" pitchFamily="18" charset="-122"/>
+                <a:ea typeface="AaWLH" pitchFamily="18" charset="-122"/>
+              </a:rPr>
+              <a:t>抽奖</a:t>
+            </a:r>
+          </a:p>
+        </p:txBody>
+      </p:sp>
+      <p:pic>
+        <p:nvPicPr>
+          <p:cNvPr id="8" name="图片 7">
+            <a:extLst>
+              <a:ext uri="{FF2B5EF4-FFF2-40B4-BE49-F238E27FC236}">
+                <a16:creationId xmlns:a16="http://schemas.microsoft.com/office/drawing/2014/main" id="{41841974-F950-5208-BB54-1B9520C33ADB}"/>
+              </a:ext>
+            </a:extLst>
+          </p:cNvPr>
+          <p:cNvPicPr>
+            <a:picLocks noChangeAspect="1"/>
+          </p:cNvPicPr>
+          <p:nvPr/>
+        </p:nvPicPr>
+        <p:blipFill>
+          <a:blip r:embed="rId2"/>
+          <a:stretch>
+            <a:fillRect/>
+          </a:stretch>
+        </p:blipFill>
+        <p:spPr>
+          <a:xfrm>
+            <a:off x="3456509" y="3315533"/>
+            <a:ext cx="508841" cy="478909"/>
+          </a:xfrm>
+          <a:prstGeom prst="rect">
+            <a:avLst/>
+          </a:prstGeom>
+        </p:spPr>
+      </p:pic>
+      <p:sp>
+        <p:nvSpPr>
+          <p:cNvPr id="9" name="圆角矩形 8">
+            <a:extLst>
+              <a:ext uri="{FF2B5EF4-FFF2-40B4-BE49-F238E27FC236}">
+                <a16:creationId xmlns:a16="http://schemas.microsoft.com/office/drawing/2014/main" id="{C0ABCAE5-94EC-F6D3-9FB5-A8B7E5F0C7DE}"/>
+              </a:ext>
+            </a:extLst>
+          </p:cNvPr>
+          <p:cNvSpPr/>
+          <p:nvPr/>
+        </p:nvSpPr>
+        <p:spPr>
+          <a:xfrm>
+            <a:off x="2370399" y="440812"/>
             <a:ext cx="1594951" cy="1594951"/>
           </a:xfrm>
           <a:prstGeom prst="roundRect">
@@ -6935,10 +9100,10 @@
       </p:sp>
       <p:sp>
         <p:nvSpPr>
-          <p:cNvPr id="20" name="圆角矩形 19">
-            <a:extLst>
-              <a:ext uri="{FF2B5EF4-FFF2-40B4-BE49-F238E27FC236}">
-                <a16:creationId xmlns:a16="http://schemas.microsoft.com/office/drawing/2014/main" id="{F52FB5B0-F969-0971-1554-7F41E84DD83E}"/>
+          <p:cNvPr id="14" name="圆角矩形 13">
+            <a:extLst>
+              <a:ext uri="{FF2B5EF4-FFF2-40B4-BE49-F238E27FC236}">
+                <a16:creationId xmlns:a16="http://schemas.microsoft.com/office/drawing/2014/main" id="{1168BD08-5567-D4A5-0A49-682A42D9B299}"/>
               </a:ext>
             </a:extLst>
           </p:cNvPr>
@@ -6947,7 +9112,7 @@
         </p:nvSpPr>
         <p:spPr>
           <a:xfrm>
-            <a:off x="2378797" y="3953725"/>
+            <a:off x="567881" y="440812"/>
             <a:ext cx="1594951" cy="1594951"/>
           </a:xfrm>
           <a:prstGeom prst="roundRect">
@@ -7010,12 +9175,42 @@
           </a:p>
         </p:txBody>
       </p:sp>
-      <p:sp>
-        <p:nvSpPr>
-          <p:cNvPr id="23" name="圆角矩形 22">
-            <a:extLst>
-              <a:ext uri="{FF2B5EF4-FFF2-40B4-BE49-F238E27FC236}">
-                <a16:creationId xmlns:a16="http://schemas.microsoft.com/office/drawing/2014/main" id="{12FDAA34-8E30-0229-4F3C-16A0D8F8F882}"/>
+      <p:pic>
+        <p:nvPicPr>
+          <p:cNvPr id="15" name="图片 14">
+            <a:extLst>
+              <a:ext uri="{FF2B5EF4-FFF2-40B4-BE49-F238E27FC236}">
+                <a16:creationId xmlns:a16="http://schemas.microsoft.com/office/drawing/2014/main" id="{FCA2DA11-C49D-9543-4858-3115C4D06452}"/>
+              </a:ext>
+            </a:extLst>
+          </p:cNvPr>
+          <p:cNvPicPr>
+            <a:picLocks noChangeAspect="1"/>
+          </p:cNvPicPr>
+          <p:nvPr/>
+        </p:nvPicPr>
+        <p:blipFill>
+          <a:blip r:embed="rId3"/>
+          <a:stretch>
+            <a:fillRect/>
+          </a:stretch>
+        </p:blipFill>
+        <p:spPr>
+          <a:xfrm>
+            <a:off x="983015" y="717083"/>
+            <a:ext cx="764682" cy="764682"/>
+          </a:xfrm>
+          <a:prstGeom prst="rect">
+            <a:avLst/>
+          </a:prstGeom>
+        </p:spPr>
+      </p:pic>
+      <p:sp>
+        <p:nvSpPr>
+          <p:cNvPr id="17" name="圆角矩形 16">
+            <a:extLst>
+              <a:ext uri="{FF2B5EF4-FFF2-40B4-BE49-F238E27FC236}">
+                <a16:creationId xmlns:a16="http://schemas.microsoft.com/office/drawing/2014/main" id="{C10769B7-1238-5618-B298-B828384D16FF}"/>
               </a:ext>
             </a:extLst>
           </p:cNvPr>
@@ -7024,7 +9219,7 @@
         </p:nvSpPr>
         <p:spPr>
           <a:xfrm>
-            <a:off x="576279" y="3953725"/>
+            <a:off x="4172917" y="440812"/>
             <a:ext cx="1594951" cy="1594951"/>
           </a:xfrm>
           <a:prstGeom prst="roundRect">
@@ -7089,10 +9284,10 @@
       </p:sp>
       <p:sp>
         <p:nvSpPr>
-          <p:cNvPr id="26" name="圆角矩形 25">
-            <a:extLst>
-              <a:ext uri="{FF2B5EF4-FFF2-40B4-BE49-F238E27FC236}">
-                <a16:creationId xmlns:a16="http://schemas.microsoft.com/office/drawing/2014/main" id="{04CFC291-9422-7113-DB11-2F9F19C44AD3}"/>
+          <p:cNvPr id="20" name="圆角矩形 19">
+            <a:extLst>
+              <a:ext uri="{FF2B5EF4-FFF2-40B4-BE49-F238E27FC236}">
+                <a16:creationId xmlns:a16="http://schemas.microsoft.com/office/drawing/2014/main" id="{F52FB5B0-F969-0971-1554-7F41E84DD83E}"/>
               </a:ext>
             </a:extLst>
           </p:cNvPr>
@@ -7101,7 +9296,7 @@
         </p:nvSpPr>
         <p:spPr>
           <a:xfrm>
-            <a:off x="4181315" y="3953725"/>
+            <a:off x="2378797" y="3953725"/>
             <a:ext cx="1594951" cy="1594951"/>
           </a:xfrm>
           <a:prstGeom prst="roundRect">
@@ -7166,10 +9361,10 @@
       </p:sp>
       <p:sp>
         <p:nvSpPr>
-          <p:cNvPr id="29" name="圆角矩形 28">
-            <a:extLst>
-              <a:ext uri="{FF2B5EF4-FFF2-40B4-BE49-F238E27FC236}">
-                <a16:creationId xmlns:a16="http://schemas.microsoft.com/office/drawing/2014/main" id="{46DCD5EF-A9C5-601D-1D17-17D874B869B9}"/>
+          <p:cNvPr id="23" name="圆角矩形 22">
+            <a:extLst>
+              <a:ext uri="{FF2B5EF4-FFF2-40B4-BE49-F238E27FC236}">
+                <a16:creationId xmlns:a16="http://schemas.microsoft.com/office/drawing/2014/main" id="{12FDAA34-8E30-0229-4F3C-16A0D8F8F882}"/>
               </a:ext>
             </a:extLst>
           </p:cNvPr>
@@ -7178,7 +9373,7 @@
         </p:nvSpPr>
         <p:spPr>
           <a:xfrm>
-            <a:off x="576279" y="2199491"/>
+            <a:off x="576279" y="3953725"/>
             <a:ext cx="1594951" cy="1594951"/>
           </a:xfrm>
           <a:prstGeom prst="roundRect">
@@ -7243,10 +9438,10 @@
       </p:sp>
       <p:sp>
         <p:nvSpPr>
-          <p:cNvPr id="32" name="圆角矩形 31">
-            <a:extLst>
-              <a:ext uri="{FF2B5EF4-FFF2-40B4-BE49-F238E27FC236}">
-                <a16:creationId xmlns:a16="http://schemas.microsoft.com/office/drawing/2014/main" id="{8E6F79C8-73E6-8CB8-95DC-E3BBA890EB38}"/>
+          <p:cNvPr id="26" name="圆角矩形 25">
+            <a:extLst>
+              <a:ext uri="{FF2B5EF4-FFF2-40B4-BE49-F238E27FC236}">
+                <a16:creationId xmlns:a16="http://schemas.microsoft.com/office/drawing/2014/main" id="{04CFC291-9422-7113-DB11-2F9F19C44AD3}"/>
               </a:ext>
             </a:extLst>
           </p:cNvPr>
@@ -7255,7 +9450,7 @@
         </p:nvSpPr>
         <p:spPr>
           <a:xfrm>
-            <a:off x="4164519" y="2195046"/>
+            <a:off x="4181315" y="3953725"/>
             <a:ext cx="1594951" cy="1594951"/>
           </a:xfrm>
           <a:prstGeom prst="roundRect">
@@ -7318,6 +9513,160 @@
           </a:p>
         </p:txBody>
       </p:sp>
+      <p:sp>
+        <p:nvSpPr>
+          <p:cNvPr id="29" name="圆角矩形 28">
+            <a:extLst>
+              <a:ext uri="{FF2B5EF4-FFF2-40B4-BE49-F238E27FC236}">
+                <a16:creationId xmlns:a16="http://schemas.microsoft.com/office/drawing/2014/main" id="{46DCD5EF-A9C5-601D-1D17-17D874B869B9}"/>
+              </a:ext>
+            </a:extLst>
+          </p:cNvPr>
+          <p:cNvSpPr/>
+          <p:nvPr/>
+        </p:nvSpPr>
+        <p:spPr>
+          <a:xfrm>
+            <a:off x="576279" y="2199491"/>
+            <a:ext cx="1594951" cy="1594951"/>
+          </a:xfrm>
+          <a:prstGeom prst="roundRect">
+            <a:avLst>
+              <a:gd name="adj" fmla="val 7173"/>
+            </a:avLst>
+          </a:prstGeom>
+          <a:gradFill flip="none" rotWithShape="1">
+            <a:gsLst>
+              <a:gs pos="0">
+                <a:schemeClr val="accent4">
+                  <a:lumMod val="0"/>
+                  <a:lumOff val="100000"/>
+                </a:schemeClr>
+              </a:gs>
+              <a:gs pos="26000">
+                <a:schemeClr val="accent4">
+                  <a:lumMod val="0"/>
+                  <a:lumOff val="100000"/>
+                </a:schemeClr>
+              </a:gs>
+              <a:gs pos="100000">
+                <a:srgbClr val="F0BEBF"/>
+              </a:gs>
+            </a:gsLst>
+            <a:path path="circle">
+              <a:fillToRect l="50000" t="50000" r="50000" b="50000"/>
+            </a:path>
+            <a:tileRect/>
+          </a:gradFill>
+          <a:ln>
+            <a:noFill/>
+          </a:ln>
+        </p:spPr>
+        <p:style>
+          <a:lnRef idx="2">
+            <a:schemeClr val="accent1">
+              <a:shade val="15000"/>
+            </a:schemeClr>
+          </a:lnRef>
+          <a:fillRef idx="1">
+            <a:schemeClr val="accent1"/>
+          </a:fillRef>
+          <a:effectRef idx="0">
+            <a:schemeClr val="accent1"/>
+          </a:effectRef>
+          <a:fontRef idx="minor">
+            <a:schemeClr val="lt1"/>
+          </a:fontRef>
+        </p:style>
+        <p:txBody>
+          <a:bodyPr rtlCol="0" anchor="ctr"/>
+          <a:lstStyle/>
+          <a:p>
+            <a:pPr algn="ctr"/>
+            <a:endParaRPr kumimoji="1" lang="zh-CN" altLang="en-US" sz="4400" dirty="0">
+              <a:latin typeface="AaWLH" pitchFamily="18" charset="-122"/>
+              <a:ea typeface="AaWLH" pitchFamily="18" charset="-122"/>
+            </a:endParaRPr>
+          </a:p>
+        </p:txBody>
+      </p:sp>
+      <p:sp>
+        <p:nvSpPr>
+          <p:cNvPr id="32" name="圆角矩形 31">
+            <a:extLst>
+              <a:ext uri="{FF2B5EF4-FFF2-40B4-BE49-F238E27FC236}">
+                <a16:creationId xmlns:a16="http://schemas.microsoft.com/office/drawing/2014/main" id="{8E6F79C8-73E6-8CB8-95DC-E3BBA890EB38}"/>
+              </a:ext>
+            </a:extLst>
+          </p:cNvPr>
+          <p:cNvSpPr/>
+          <p:nvPr/>
+        </p:nvSpPr>
+        <p:spPr>
+          <a:xfrm>
+            <a:off x="4164519" y="2195046"/>
+            <a:ext cx="1594951" cy="1594951"/>
+          </a:xfrm>
+          <a:prstGeom prst="roundRect">
+            <a:avLst>
+              <a:gd name="adj" fmla="val 7173"/>
+            </a:avLst>
+          </a:prstGeom>
+          <a:gradFill flip="none" rotWithShape="1">
+            <a:gsLst>
+              <a:gs pos="0">
+                <a:schemeClr val="accent4">
+                  <a:lumMod val="0"/>
+                  <a:lumOff val="100000"/>
+                </a:schemeClr>
+              </a:gs>
+              <a:gs pos="26000">
+                <a:schemeClr val="accent4">
+                  <a:lumMod val="0"/>
+                  <a:lumOff val="100000"/>
+                </a:schemeClr>
+              </a:gs>
+              <a:gs pos="100000">
+                <a:srgbClr val="F0BEBF"/>
+              </a:gs>
+            </a:gsLst>
+            <a:path path="circle">
+              <a:fillToRect l="50000" t="50000" r="50000" b="50000"/>
+            </a:path>
+            <a:tileRect/>
+          </a:gradFill>
+          <a:ln>
+            <a:noFill/>
+          </a:ln>
+        </p:spPr>
+        <p:style>
+          <a:lnRef idx="2">
+            <a:schemeClr val="accent1">
+              <a:shade val="15000"/>
+            </a:schemeClr>
+          </a:lnRef>
+          <a:fillRef idx="1">
+            <a:schemeClr val="accent1"/>
+          </a:fillRef>
+          <a:effectRef idx="0">
+            <a:schemeClr val="accent1"/>
+          </a:effectRef>
+          <a:fontRef idx="minor">
+            <a:schemeClr val="lt1"/>
+          </a:fontRef>
+        </p:style>
+        <p:txBody>
+          <a:bodyPr rtlCol="0" anchor="ctr"/>
+          <a:lstStyle/>
+          <a:p>
+            <a:pPr algn="ctr"/>
+            <a:endParaRPr kumimoji="1" lang="zh-CN" altLang="en-US" sz="4400" dirty="0">
+              <a:latin typeface="AaWLH" pitchFamily="18" charset="-122"/>
+              <a:ea typeface="AaWLH" pitchFamily="18" charset="-122"/>
+            </a:endParaRPr>
+          </a:p>
+        </p:txBody>
+      </p:sp>
       <p:pic>
         <p:nvPicPr>
           <p:cNvPr id="36" name="图片 35">
@@ -8774,7 +11123,7 @@
 </p:sld>
 </file>
 
-<file path=ppt/slides/slide3.xml><?xml version="1.0" encoding="utf-8"?>
+<file path=ppt/slides/slide4.xml><?xml version="1.0" encoding="utf-8"?>
 <p:sld xmlns:a="http://schemas.openxmlformats.org/drawingml/2006/main" xmlns:r="http://schemas.openxmlformats.org/officeDocument/2006/relationships" xmlns:p="http://schemas.openxmlformats.org/presentationml/2006/main">
   <p:cSld>
     <p:spTree>
@@ -8891,7 +11240,7 @@
 </p:sld>
 </file>
 
-<file path=ppt/slides/slide4.xml><?xml version="1.0" encoding="utf-8"?>
+<file path=ppt/slides/slide5.xml><?xml version="1.0" encoding="utf-8"?>
 <p:sld xmlns:a="http://schemas.openxmlformats.org/drawingml/2006/main" xmlns:r="http://schemas.openxmlformats.org/officeDocument/2006/relationships" xmlns:p="http://schemas.openxmlformats.org/presentationml/2006/main">
   <p:cSld>
     <p:spTree>
@@ -9963,7 +12312,7 @@
         </p:nvSpPr>
         <p:spPr>
           <a:xfrm>
-            <a:off x="576279" y="3885855"/>
+            <a:off x="7132590" y="4746503"/>
             <a:ext cx="1594951" cy="1643422"/>
           </a:xfrm>
           <a:prstGeom prst="roundRect">
